--- a/ppt/BigData07-S3.pptx
+++ b/ppt/BigData07-S3.pptx
@@ -5,38 +5,20 @@
     <p:sldMasterId id="2147483653" r:id="rId1"/>
   </p:sldMasterIdLst>
   <p:notesMasterIdLst>
-    <p:notesMasterId r:id="rId28"/>
+    <p:notesMasterId r:id="rId10"/>
   </p:notesMasterIdLst>
   <p:handoutMasterIdLst>
-    <p:handoutMasterId r:id="rId29"/>
+    <p:handoutMasterId r:id="rId11"/>
   </p:handoutMasterIdLst>
   <p:sldIdLst>
     <p:sldId id="264" r:id="rId2"/>
-    <p:sldId id="325" r:id="rId3"/>
-    <p:sldId id="324" r:id="rId4"/>
-    <p:sldId id="265" r:id="rId5"/>
-    <p:sldId id="266" r:id="rId6"/>
-    <p:sldId id="267" r:id="rId7"/>
-    <p:sldId id="269" r:id="rId8"/>
-    <p:sldId id="270" r:id="rId9"/>
-    <p:sldId id="271" r:id="rId10"/>
-    <p:sldId id="272" r:id="rId11"/>
-    <p:sldId id="273" r:id="rId12"/>
-    <p:sldId id="274" r:id="rId13"/>
-    <p:sldId id="268" r:id="rId14"/>
-    <p:sldId id="282" r:id="rId15"/>
-    <p:sldId id="283" r:id="rId16"/>
-    <p:sldId id="284" r:id="rId17"/>
-    <p:sldId id="285" r:id="rId18"/>
-    <p:sldId id="295" r:id="rId19"/>
-    <p:sldId id="281" r:id="rId20"/>
-    <p:sldId id="323" r:id="rId21"/>
-    <p:sldId id="307" r:id="rId22"/>
-    <p:sldId id="297" r:id="rId23"/>
-    <p:sldId id="298" r:id="rId24"/>
-    <p:sldId id="299" r:id="rId25"/>
-    <p:sldId id="304" r:id="rId26"/>
-    <p:sldId id="309" r:id="rId27"/>
+    <p:sldId id="327" r:id="rId3"/>
+    <p:sldId id="326" r:id="rId4"/>
+    <p:sldId id="329" r:id="rId5"/>
+    <p:sldId id="328" r:id="rId6"/>
+    <p:sldId id="325" r:id="rId7"/>
+    <p:sldId id="331" r:id="rId8"/>
+    <p:sldId id="330" r:id="rId9"/>
   </p:sldIdLst>
   <p:sldSz cx="9144000" cy="6858000" type="screen4x3"/>
   <p:notesSz cx="6648450" cy="9782175"/>
@@ -1141,372 +1123,6 @@
 </p:sldLayout>
 </file>
 
-<file path=ppt/slideLayouts/slideLayout11.xml><?xml version="1.0" encoding="utf-8"?>
-<p:sldLayout xmlns:a="http://schemas.openxmlformats.org/drawingml/2006/main" xmlns:r="http://schemas.openxmlformats.org/officeDocument/2006/relationships" xmlns:p="http://schemas.openxmlformats.org/presentationml/2006/main" userDrawn="1">
-  <p:cSld name="1_Vide">
-    <p:spTree>
-      <p:nvGrpSpPr>
-        <p:cNvPr id="1" name=""/>
-        <p:cNvGrpSpPr/>
-        <p:nvPr/>
-      </p:nvGrpSpPr>
-      <p:grpSpPr>
-        <a:xfrm>
-          <a:off x="0" y="0"/>
-          <a:ext cx="0" cy="0"/>
-          <a:chOff x="0" y="0"/>
-          <a:chExt cx="0" cy="0"/>
-        </a:xfrm>
-      </p:grpSpPr>
-      <p:sp>
-        <p:nvSpPr>
-          <p:cNvPr id="2" name="Espace réservé de la date 1"/>
-          <p:cNvSpPr>
-            <a:spLocks noGrp="1"/>
-          </p:cNvSpPr>
-          <p:nvPr>
-            <p:ph type="dt" sz="half" idx="10"/>
-          </p:nvPr>
-        </p:nvSpPr>
-        <p:spPr>
-          <a:xfrm>
-            <a:off x="628650" y="6356351"/>
-            <a:ext cx="2057400" cy="365125"/>
-          </a:xfrm>
-          <a:prstGeom prst="rect">
-            <a:avLst/>
-          </a:prstGeom>
-        </p:spPr>
-        <p:txBody>
-          <a:bodyPr/>
-          <a:lstStyle/>
-          <a:p>
-            <a:fld id="{A0ABDEA8-EB22-42D4-B8E2-0C26FFC92FC1}" type="datetimeFigureOut">
-              <a:rPr lang="fr-FR" smtClean="0"/>
-              <a:t>13/07/2025</a:t>
-            </a:fld>
-            <a:endParaRPr lang="fr-FR"/>
-          </a:p>
-        </p:txBody>
-      </p:sp>
-      <p:sp>
-        <p:nvSpPr>
-          <p:cNvPr id="3" name="Espace réservé du pied de page 2"/>
-          <p:cNvSpPr>
-            <a:spLocks noGrp="1"/>
-          </p:cNvSpPr>
-          <p:nvPr>
-            <p:ph type="ftr" sz="quarter" idx="11"/>
-          </p:nvPr>
-        </p:nvSpPr>
-        <p:spPr>
-          <a:xfrm>
-            <a:off x="3028950" y="6356351"/>
-            <a:ext cx="3086100" cy="365125"/>
-          </a:xfrm>
-          <a:prstGeom prst="rect">
-            <a:avLst/>
-          </a:prstGeom>
-        </p:spPr>
-        <p:txBody>
-          <a:bodyPr/>
-          <a:lstStyle/>
-          <a:p>
-            <a:endParaRPr lang="fr-FR"/>
-          </a:p>
-        </p:txBody>
-      </p:sp>
-      <p:sp>
-        <p:nvSpPr>
-          <p:cNvPr id="4" name="Espace réservé du numéro de diapositive 3"/>
-          <p:cNvSpPr>
-            <a:spLocks noGrp="1"/>
-          </p:cNvSpPr>
-          <p:nvPr>
-            <p:ph type="sldNum" sz="quarter" idx="12"/>
-          </p:nvPr>
-        </p:nvSpPr>
-        <p:spPr>
-          <a:xfrm>
-            <a:off x="6457950" y="6356351"/>
-            <a:ext cx="2057400" cy="365125"/>
-          </a:xfrm>
-          <a:prstGeom prst="rect">
-            <a:avLst/>
-          </a:prstGeom>
-        </p:spPr>
-        <p:txBody>
-          <a:bodyPr/>
-          <a:lstStyle/>
-          <a:p>
-            <a:fld id="{123B6F03-2704-4FB7-B539-03DC9F576B43}" type="slidenum">
-              <a:rPr lang="fr-FR" smtClean="0"/>
-              <a:t>‹N°›</a:t>
-            </a:fld>
-            <a:endParaRPr lang="fr-FR"/>
-          </a:p>
-        </p:txBody>
-      </p:sp>
-      <p:sp>
-        <p:nvSpPr>
-          <p:cNvPr id="5" name="Rectangle 4"/>
-          <p:cNvSpPr/>
-          <p:nvPr userDrawn="1"/>
-        </p:nvSpPr>
-        <p:spPr bwMode="auto">
-          <a:xfrm>
-            <a:off x="0" y="0"/>
-            <a:ext cx="4550228" cy="767468"/>
-          </a:xfrm>
-          <a:prstGeom prst="rect">
-            <a:avLst/>
-          </a:prstGeom>
-          <a:solidFill>
-            <a:schemeClr val="accent6">
-              <a:lumMod val="60000"/>
-              <a:lumOff val="40000"/>
-            </a:schemeClr>
-          </a:solidFill>
-          <a:ln w="9525" cap="flat" cmpd="sng" algn="ctr">
-            <a:noFill/>
-            <a:prstDash val="solid"/>
-            <a:round/>
-            <a:headEnd type="none" w="med" len="med"/>
-            <a:tailEnd type="none" w="med" len="med"/>
-          </a:ln>
-          <a:effectLst/>
-        </p:spPr>
-        <p:txBody>
-          <a:bodyPr vert="horz" wrap="square" lIns="68580" tIns="34290" rIns="68580" bIns="34290" numCol="1" rtlCol="0" anchor="t" anchorCtr="0" compatLnSpc="1">
-            <a:prstTxWarp prst="textNoShape">
-              <a:avLst/>
-            </a:prstTxWarp>
-          </a:bodyPr>
-          <a:lstStyle/>
-          <a:p>
-            <a:pPr marL="0" marR="0" indent="0" algn="ctr" defTabSz="685800" rtl="0" eaLnBrk="1" fontAlgn="base" latinLnBrk="0" hangingPunct="1">
-              <a:lnSpc>
-                <a:spcPct val="100000"/>
-              </a:lnSpc>
-              <a:spcBef>
-                <a:spcPct val="0"/>
-              </a:spcBef>
-              <a:spcAft>
-                <a:spcPct val="0"/>
-              </a:spcAft>
-              <a:buClrTx/>
-              <a:buSzTx/>
-              <a:buFontTx/>
-              <a:buNone/>
-              <a:tabLst/>
-            </a:pPr>
-            <a:endParaRPr kumimoji="0" lang="fr-FR" sz="1350" b="0" i="0" u="none" strike="noStrike" cap="none" normalizeH="0" baseline="0" dirty="0">
-              <a:ln>
-                <a:noFill/>
-              </a:ln>
-              <a:solidFill>
-                <a:schemeClr val="tx1"/>
-              </a:solidFill>
-              <a:effectLst/>
-              <a:latin typeface="Arial" charset="0"/>
-            </a:endParaRPr>
-          </a:p>
-        </p:txBody>
-      </p:sp>
-      <p:sp>
-        <p:nvSpPr>
-          <p:cNvPr id="6" name="Rectangle 2"/>
-          <p:cNvSpPr>
-            <a:spLocks noGrp="1" noChangeArrowheads="1"/>
-          </p:cNvSpPr>
-          <p:nvPr>
-            <p:ph type="title"/>
-          </p:nvPr>
-        </p:nvSpPr>
-        <p:spPr bwMode="auto">
-          <a:xfrm>
-            <a:off x="134634" y="29354"/>
-            <a:ext cx="4284966" cy="723600"/>
-          </a:xfrm>
-          <a:prstGeom prst="rect">
-            <a:avLst/>
-          </a:prstGeom>
-          <a:noFill/>
-          <a:ln w="9525">
-            <a:noFill/>
-            <a:miter lim="800000"/>
-            <a:headEnd/>
-            <a:tailEnd/>
-          </a:ln>
-        </p:spPr>
-        <p:txBody>
-          <a:bodyPr vert="horz" wrap="square" lIns="91440" tIns="45720" rIns="91440" bIns="45720" numCol="1" anchor="ctr" anchorCtr="0" compatLnSpc="1">
-            <a:prstTxWarp prst="textNoShape">
-              <a:avLst/>
-            </a:prstTxWarp>
-            <a:noAutofit/>
-          </a:bodyPr>
-          <a:lstStyle>
-            <a:lvl1pPr>
-              <a:defRPr sz="1800">
-                <a:solidFill>
-                  <a:schemeClr val="bg2">
-                    <a:lumMod val="25000"/>
-                  </a:schemeClr>
-                </a:solidFill>
-              </a:defRPr>
-            </a:lvl1pPr>
-          </a:lstStyle>
-          <a:p>
-            <a:pPr lvl="0"/>
-            <a:r>
-              <a:rPr lang="fr-FR" dirty="0"/>
-              <a:t>Ecran xx</a:t>
-            </a:r>
-            <a:br>
-              <a:rPr lang="fr-FR" dirty="0"/>
-            </a:br>
-            <a:r>
-              <a:rPr lang="fr-FR" dirty="0"/>
-              <a:t>Titre de l’écran</a:t>
-            </a:r>
-          </a:p>
-        </p:txBody>
-      </p:sp>
-      <p:sp>
-        <p:nvSpPr>
-          <p:cNvPr id="7" name="Rectangle 6"/>
-          <p:cNvSpPr/>
-          <p:nvPr userDrawn="1"/>
-        </p:nvSpPr>
-        <p:spPr bwMode="auto">
-          <a:xfrm>
-            <a:off x="4550229" y="0"/>
-            <a:ext cx="4593772" cy="767468"/>
-          </a:xfrm>
-          <a:prstGeom prst="rect">
-            <a:avLst/>
-          </a:prstGeom>
-          <a:solidFill>
-            <a:schemeClr val="bg2">
-              <a:lumMod val="75000"/>
-            </a:schemeClr>
-          </a:solidFill>
-          <a:ln w="9525" cap="flat" cmpd="sng" algn="ctr">
-            <a:noFill/>
-            <a:prstDash val="solid"/>
-            <a:round/>
-            <a:headEnd type="none" w="med" len="med"/>
-            <a:tailEnd type="none" w="med" len="med"/>
-          </a:ln>
-          <a:effectLst/>
-        </p:spPr>
-        <p:txBody>
-          <a:bodyPr vert="horz" wrap="square" lIns="68580" tIns="34290" rIns="68580" bIns="34290" numCol="1" rtlCol="0" anchor="t" anchorCtr="0" compatLnSpc="1">
-            <a:prstTxWarp prst="textNoShape">
-              <a:avLst/>
-            </a:prstTxWarp>
-          </a:bodyPr>
-          <a:lstStyle/>
-          <a:p>
-            <a:pPr marL="0" marR="0" indent="0" algn="ctr" defTabSz="685800" rtl="0" eaLnBrk="1" fontAlgn="base" latinLnBrk="0" hangingPunct="1">
-              <a:lnSpc>
-                <a:spcPct val="100000"/>
-              </a:lnSpc>
-              <a:spcBef>
-                <a:spcPct val="0"/>
-              </a:spcBef>
-              <a:spcAft>
-                <a:spcPct val="0"/>
-              </a:spcAft>
-              <a:buClrTx/>
-              <a:buSzTx/>
-              <a:buFontTx/>
-              <a:buNone/>
-              <a:tabLst/>
-            </a:pPr>
-            <a:endParaRPr kumimoji="0" lang="fr-FR" sz="1350" b="0" i="0" u="none" strike="noStrike" cap="none" normalizeH="0" baseline="0" dirty="0">
-              <a:ln>
-                <a:noFill/>
-              </a:ln>
-              <a:solidFill>
-                <a:schemeClr val="tx1"/>
-              </a:solidFill>
-              <a:effectLst/>
-              <a:latin typeface="Arial" charset="0"/>
-            </a:endParaRPr>
-          </a:p>
-        </p:txBody>
-      </p:sp>
-      <p:sp>
-        <p:nvSpPr>
-          <p:cNvPr id="8" name="Espace réservé du texte 6"/>
-          <p:cNvSpPr>
-            <a:spLocks noGrp="1"/>
-          </p:cNvSpPr>
-          <p:nvPr>
-            <p:ph type="body" sz="quarter" idx="13" hasCustomPrompt="1"/>
-          </p:nvPr>
-        </p:nvSpPr>
-        <p:spPr>
-          <a:xfrm>
-            <a:off x="4572000" y="62245"/>
-            <a:ext cx="4572000" cy="657818"/>
-          </a:xfrm>
-          <a:prstGeom prst="rect">
-            <a:avLst/>
-          </a:prstGeom>
-        </p:spPr>
-        <p:txBody>
-          <a:bodyPr anchor="ctr">
-            <a:noAutofit/>
-          </a:bodyPr>
-          <a:lstStyle>
-            <a:lvl1pPr marL="0" indent="0">
-              <a:buNone/>
-              <a:defRPr sz="1350" baseline="0">
-                <a:solidFill>
-                  <a:schemeClr val="bg2">
-                    <a:lumMod val="25000"/>
-                  </a:schemeClr>
-                </a:solidFill>
-              </a:defRPr>
-            </a:lvl1pPr>
-            <a:lvl2pPr>
-              <a:defRPr sz="825"/>
-            </a:lvl2pPr>
-            <a:lvl3pPr>
-              <a:defRPr sz="788"/>
-            </a:lvl3pPr>
-            <a:lvl4pPr>
-              <a:defRPr sz="675"/>
-            </a:lvl4pPr>
-            <a:lvl5pPr>
-              <a:defRPr sz="600"/>
-            </a:lvl5pPr>
-          </a:lstStyle>
-          <a:p>
-            <a:pPr lvl="0"/>
-            <a:r>
-              <a:rPr lang="fr-FR" dirty="0"/>
-              <a:t>Modifiez le style du titre</a:t>
-            </a:r>
-          </a:p>
-        </p:txBody>
-      </p:sp>
-    </p:spTree>
-    <p:extLst>
-      <p:ext uri="{BB962C8B-B14F-4D97-AF65-F5344CB8AC3E}">
-        <p14:creationId xmlns:p14="http://schemas.microsoft.com/office/powerpoint/2010/main" val="2254899990"/>
-      </p:ext>
-    </p:extLst>
-  </p:cSld>
-  <p:clrMapOvr>
-    <a:masterClrMapping/>
-  </p:clrMapOvr>
-</p:sldLayout>
-</file>
-
 <file path=ppt/slideLayouts/slideLayout2.xml><?xml version="1.0" encoding="utf-8"?>
 <p:sldLayout xmlns:a="http://schemas.openxmlformats.org/drawingml/2006/main" xmlns:r="http://schemas.openxmlformats.org/officeDocument/2006/relationships" xmlns:p="http://schemas.openxmlformats.org/presentationml/2006/main" type="obj" preserve="1">
   <p:cSld name="Titre et contenu">
@@ -3598,7 +3214,7 @@
           <p:nvPr/>
         </p:nvPicPr>
         <p:blipFill>
-          <a:blip r:embed="rId13" cstate="print">
+          <a:blip r:embed="rId12" cstate="print">
             <a:extLst>
               <a:ext uri="{28A0092B-C50C-407E-A947-70E740481C1C}">
                 <a14:useLocalDpi xmlns:a14="http://schemas.microsoft.com/office/drawing/2010/main" val="0"/>
@@ -3657,7 +3273,6 @@
     <p:sldLayoutId id="2147483661" r:id="rId8"/>
     <p:sldLayoutId id="2147483662" r:id="rId9"/>
     <p:sldLayoutId id="2147483663" r:id="rId10"/>
-    <p:sldLayoutId id="2147483664" r:id="rId11"/>
   </p:sldLayoutIdLst>
   <p:txStyles>
     <p:titleStyle>
@@ -4144,7 +3759,7 @@
 </p:sld>
 </file>
 
-<file path=ppt/slides/slide10.xml><?xml version="1.0" encoding="utf-8"?>
+<file path=ppt/slides/slide2.xml><?xml version="1.0" encoding="utf-8"?>
 <p:sld xmlns:a="http://schemas.openxmlformats.org/drawingml/2006/main" xmlns:r="http://schemas.openxmlformats.org/officeDocument/2006/relationships" xmlns:p="http://schemas.openxmlformats.org/presentationml/2006/main">
   <p:cSld>
     <p:spTree>
@@ -4163,7 +3778,13 @@
       </p:grpSpPr>
       <p:sp>
         <p:nvSpPr>
-          <p:cNvPr id="2" name="Titre 1"/>
+          <p:cNvPr id="2" name="Titre 1">
+            <a:extLst>
+              <a:ext uri="{FF2B5EF4-FFF2-40B4-BE49-F238E27FC236}">
+                <a16:creationId xmlns:a16="http://schemas.microsoft.com/office/drawing/2014/main" id="{81C5F34F-8EB1-C31D-531F-3045DE9340AF}"/>
+              </a:ext>
+            </a:extLst>
+          </p:cNvPr>
           <p:cNvSpPr>
             <a:spLocks noGrp="1"/>
           </p:cNvSpPr>
@@ -4178,14 +3799,20 @@
           <a:p>
             <a:r>
               <a:rPr lang="fr-FR" dirty="0"/>
-              <a:t>Exemple HDFS</a:t>
+              <a:t>Base de données objet</a:t>
             </a:r>
           </a:p>
         </p:txBody>
       </p:sp>
       <p:sp>
         <p:nvSpPr>
-          <p:cNvPr id="3" name="Espace réservé du contenu 2"/>
+          <p:cNvPr id="3" name="Espace réservé du contenu 2">
+            <a:extLst>
+              <a:ext uri="{FF2B5EF4-FFF2-40B4-BE49-F238E27FC236}">
+                <a16:creationId xmlns:a16="http://schemas.microsoft.com/office/drawing/2014/main" id="{C51BB5E1-C178-8E45-12D7-860DEAA6EFC4}"/>
+              </a:ext>
+            </a:extLst>
+          </p:cNvPr>
           <p:cNvSpPr>
             <a:spLocks noGrp="1"/>
           </p:cNvSpPr>
@@ -4200,94 +3827,37 @@
           <a:p>
             <a:r>
               <a:rPr lang="fr-FR" dirty="0"/>
-              <a:t>Détaillons ce qui se passe lorsqu'un client (nommé Jules) veut lire un fichier stocké dans HDFS :</a:t>
+              <a:t>Object Storage</a:t>
             </a:r>
           </a:p>
           <a:p>
             <a:pPr lvl="1"/>
             <a:r>
               <a:rPr lang="fr-FR" dirty="0"/>
-              <a:t>Jules indique au </a:t>
+              <a:t>Base de données qui permet de stocker des données </a:t>
             </a:r>
             <a:r>
               <a:rPr lang="fr-FR" dirty="0" err="1"/>
-              <a:t>namenode</a:t>
+              <a:t>NoSql</a:t>
             </a:r>
             <a:r>
               <a:rPr lang="fr-FR" dirty="0"/>
-              <a:t> qu'il souhaite lire un fichier.</a:t>
+              <a:t> avec leurs métadonnées</a:t>
             </a:r>
           </a:p>
           <a:p>
             <a:pPr lvl="1"/>
             <a:r>
               <a:rPr lang="fr-FR" dirty="0"/>
-              <a:t>Le </a:t>
-            </a:r>
-            <a:r>
-              <a:rPr lang="fr-FR" dirty="0" err="1"/>
-              <a:t>name</a:t>
-            </a:r>
-            <a:r>
-              <a:rPr lang="fr-FR" dirty="0"/>
-              <a:t> </a:t>
-            </a:r>
-            <a:r>
-              <a:rPr lang="fr-FR" dirty="0" err="1"/>
-              <a:t>node</a:t>
-            </a:r>
-            <a:r>
-              <a:rPr lang="fr-FR" dirty="0"/>
-              <a:t> indique à Jules la taille du fichier ainsi que les différents data </a:t>
-            </a:r>
-            <a:r>
-              <a:rPr lang="fr-FR" dirty="0" err="1"/>
-              <a:t>nodes</a:t>
-            </a:r>
-            <a:r>
-              <a:rPr lang="fr-FR" dirty="0"/>
-              <a:t> contenant les blocs qui composent ce fichier.</a:t>
-            </a:r>
-          </a:p>
-          <a:p>
-            <a:pPr lvl="1"/>
-            <a:r>
-              <a:rPr lang="fr-FR" dirty="0"/>
-              <a:t>Jules récupère chacun des blocs sur l'un des data </a:t>
-            </a:r>
-            <a:r>
-              <a:rPr lang="fr-FR" dirty="0" err="1"/>
-              <a:t>nodes</a:t>
-            </a:r>
-            <a:r>
-              <a:rPr lang="fr-FR" dirty="0"/>
-              <a:t>.</a:t>
-            </a:r>
-          </a:p>
-          <a:p>
-            <a:pPr lvl="1"/>
-            <a:r>
-              <a:rPr lang="fr-FR" dirty="0"/>
-              <a:t>Si un des </a:t>
-            </a:r>
-            <a:r>
-              <a:rPr lang="fr-FR" dirty="0" err="1"/>
-              <a:t>datanodes</a:t>
-            </a:r>
-            <a:r>
-              <a:rPr lang="fr-FR" dirty="0"/>
-              <a:t> est indisponible, Jules en contacte un autre.</a:t>
-            </a:r>
-          </a:p>
-          <a:p>
-            <a:endParaRPr lang="fr-FR" dirty="0"/>
+              <a:t>Compatible 3V</a:t>
+            </a:r>
           </a:p>
         </p:txBody>
       </p:sp>
     </p:spTree>
     <p:extLst>
       <p:ext uri="{BB962C8B-B14F-4D97-AF65-F5344CB8AC3E}">
-        <p14:creationId xmlns:p14="http://schemas.microsoft.com/office/powerpoint/2010/main" val="1501349279"/>
+        <p14:creationId xmlns:p14="http://schemas.microsoft.com/office/powerpoint/2010/main" val="1879224166"/>
       </p:ext>
     </p:extLst>
   </p:cSld>
@@ -4297,7 +3867,7 @@
 </p:sld>
 </file>
 
-<file path=ppt/slides/slide11.xml><?xml version="1.0" encoding="utf-8"?>
+<file path=ppt/slides/slide3.xml><?xml version="1.0" encoding="utf-8"?>
 <p:sld xmlns:a="http://schemas.openxmlformats.org/drawingml/2006/main" xmlns:r="http://schemas.openxmlformats.org/officeDocument/2006/relationships" xmlns:p="http://schemas.openxmlformats.org/presentationml/2006/main">
   <p:cSld>
     <p:spTree>
@@ -4316,7 +3886,13 @@
       </p:grpSpPr>
       <p:sp>
         <p:nvSpPr>
-          <p:cNvPr id="2" name="Titre 1"/>
+          <p:cNvPr id="2" name="Titre 1">
+            <a:extLst>
+              <a:ext uri="{FF2B5EF4-FFF2-40B4-BE49-F238E27FC236}">
+                <a16:creationId xmlns:a16="http://schemas.microsoft.com/office/drawing/2014/main" id="{ED4A9901-FAAF-7EDC-ABD6-26627084FA54}"/>
+              </a:ext>
+            </a:extLst>
+          </p:cNvPr>
           <p:cNvSpPr>
             <a:spLocks noGrp="1"/>
           </p:cNvSpPr>
@@ -4331,58 +3907,114 @@
           <a:p>
             <a:r>
               <a:rPr lang="fr-FR" dirty="0"/>
-              <a:t>Exemple HDFS</a:t>
+              <a:t>S3</a:t>
+            </a:r>
+          </a:p>
+        </p:txBody>
+      </p:sp>
+      <p:sp>
+        <p:nvSpPr>
+          <p:cNvPr id="3" name="Espace réservé du contenu 2">
+            <a:extLst>
+              <a:ext uri="{FF2B5EF4-FFF2-40B4-BE49-F238E27FC236}">
+                <a16:creationId xmlns:a16="http://schemas.microsoft.com/office/drawing/2014/main" id="{75789E4F-FF8D-7726-AAB2-8B3A28ECD5E2}"/>
+              </a:ext>
+            </a:extLst>
+          </p:cNvPr>
+          <p:cNvSpPr>
+            <a:spLocks noGrp="1"/>
+          </p:cNvSpPr>
+          <p:nvPr>
+            <p:ph idx="1"/>
+          </p:nvPr>
+        </p:nvSpPr>
+        <p:spPr/>
+        <p:txBody>
+          <a:bodyPr/>
+          <a:lstStyle/>
+          <a:p>
+            <a:r>
+              <a:rPr lang="fr-FR" dirty="0"/>
+              <a:t>Simple Storage Service</a:t>
+            </a:r>
+          </a:p>
+          <a:p>
+            <a:pPr lvl="1"/>
+            <a:r>
+              <a:rPr lang="fr-FR" dirty="0"/>
+              <a:t>Norme d'Amazon (AWS S3)</a:t>
+            </a:r>
+          </a:p>
+          <a:p>
+            <a:pPr lvl="1"/>
+            <a:r>
+              <a:rPr lang="fr-FR" dirty="0"/>
+              <a:t>Plus gros service de base de données d'objets</a:t>
+            </a:r>
+          </a:p>
+          <a:p>
+            <a:pPr lvl="1"/>
+            <a:r>
+              <a:rPr lang="fr-FR" dirty="0"/>
+              <a:t>Devenu une norme</a:t>
+            </a:r>
+          </a:p>
+          <a:p>
+            <a:pPr lvl="1"/>
+            <a:r>
+              <a:rPr lang="fr-FR" dirty="0"/>
+              <a:t>Fiabilité énorme : 1 données de perdue sur 1000000000000 (12 zéros)</a:t>
+            </a:r>
+          </a:p>
+          <a:p>
+            <a:r>
+              <a:rPr lang="fr-FR" dirty="0"/>
+              <a:t>Equivalent Microsoft</a:t>
+            </a:r>
+          </a:p>
+          <a:p>
+            <a:pPr lvl="1"/>
+            <a:r>
+              <a:rPr lang="fr-FR" dirty="0"/>
+              <a:t>Microsoft Azure Blob Object</a:t>
             </a:r>
           </a:p>
         </p:txBody>
       </p:sp>
       <p:pic>
         <p:nvPicPr>
-          <p:cNvPr id="2050" name="Picture 2" descr="https://user.oc-static.com/upload/2017/08/03/15017751645123_hdfs-read.jpeg"/>
+          <p:cNvPr id="5" name="Image 4">
+            <a:extLst>
+              <a:ext uri="{FF2B5EF4-FFF2-40B4-BE49-F238E27FC236}">
+                <a16:creationId xmlns:a16="http://schemas.microsoft.com/office/drawing/2014/main" id="{76AB9C44-45BE-C0AA-FB38-FED6B7DCF2C3}"/>
+              </a:ext>
+            </a:extLst>
+          </p:cNvPr>
           <p:cNvPicPr>
-            <a:picLocks noGrp="1" noChangeAspect="1" noChangeArrowheads="1"/>
+            <a:picLocks noChangeAspect="1"/>
           </p:cNvPicPr>
-          <p:nvPr>
-            <p:ph idx="1"/>
-          </p:nvPr>
+          <p:nvPr/>
         </p:nvPicPr>
         <p:blipFill>
-          <a:blip r:embed="rId2">
-            <a:extLst>
-              <a:ext uri="{28A0092B-C50C-407E-A947-70E740481C1C}">
-                <a14:useLocalDpi xmlns:a14="http://schemas.microsoft.com/office/drawing/2010/main" val="0"/>
-              </a:ext>
-            </a:extLst>
-          </a:blip>
-          <a:srcRect/>
+          <a:blip r:embed="rId2"/>
           <a:stretch>
             <a:fillRect/>
           </a:stretch>
         </p:blipFill>
-        <p:spPr bwMode="auto">
+        <p:spPr>
           <a:xfrm>
-            <a:off x="1032295" y="1412875"/>
-            <a:ext cx="7060360" cy="5040313"/>
+            <a:off x="3203848" y="-6647"/>
+            <a:ext cx="3410426" cy="1419423"/>
           </a:xfrm>
           <a:prstGeom prst="rect">
             <a:avLst/>
           </a:prstGeom>
-          <a:noFill/>
-          <a:extLst>
-            <a:ext uri="{909E8E84-426E-40DD-AFC4-6F175D3DCCD1}">
-              <a14:hiddenFill xmlns:a14="http://schemas.microsoft.com/office/drawing/2010/main">
-                <a:solidFill>
-                  <a:srgbClr val="FFFFFF"/>
-                </a:solidFill>
-              </a14:hiddenFill>
-            </a:ext>
-          </a:extLst>
         </p:spPr>
       </p:pic>
     </p:spTree>
     <p:extLst>
       <p:ext uri="{BB962C8B-B14F-4D97-AF65-F5344CB8AC3E}">
-        <p14:creationId xmlns:p14="http://schemas.microsoft.com/office/powerpoint/2010/main" val="2528241978"/>
+        <p14:creationId xmlns:p14="http://schemas.microsoft.com/office/powerpoint/2010/main" val="1529731417"/>
       </p:ext>
     </p:extLst>
   </p:cSld>
@@ -4392,7 +4024,148 @@
 </p:sld>
 </file>
 
-<file path=ppt/slides/slide12.xml><?xml version="1.0" encoding="utf-8"?>
+<file path=ppt/slides/slide4.xml><?xml version="1.0" encoding="utf-8"?>
+<p:sld xmlns:a="http://schemas.openxmlformats.org/drawingml/2006/main" xmlns:r="http://schemas.openxmlformats.org/officeDocument/2006/relationships" xmlns:p="http://schemas.openxmlformats.org/presentationml/2006/main">
+  <p:cSld>
+    <p:spTree>
+      <p:nvGrpSpPr>
+        <p:cNvPr id="1" name="">
+          <a:extLst>
+            <a:ext uri="{FF2B5EF4-FFF2-40B4-BE49-F238E27FC236}">
+              <a16:creationId xmlns:a16="http://schemas.microsoft.com/office/drawing/2014/main" id="{DC853389-97ED-CCCD-B9BB-C723143910F3}"/>
+            </a:ext>
+          </a:extLst>
+        </p:cNvPr>
+        <p:cNvGrpSpPr/>
+        <p:nvPr/>
+      </p:nvGrpSpPr>
+      <p:grpSpPr>
+        <a:xfrm>
+          <a:off x="0" y="0"/>
+          <a:ext cx="0" cy="0"/>
+          <a:chOff x="0" y="0"/>
+          <a:chExt cx="0" cy="0"/>
+        </a:xfrm>
+      </p:grpSpPr>
+      <p:sp>
+        <p:nvSpPr>
+          <p:cNvPr id="2" name="Titre 1">
+            <a:extLst>
+              <a:ext uri="{FF2B5EF4-FFF2-40B4-BE49-F238E27FC236}">
+                <a16:creationId xmlns:a16="http://schemas.microsoft.com/office/drawing/2014/main" id="{A5B73A69-852D-7711-5FA8-282C27513F62}"/>
+              </a:ext>
+            </a:extLst>
+          </p:cNvPr>
+          <p:cNvSpPr>
+            <a:spLocks noGrp="1"/>
+          </p:cNvSpPr>
+          <p:nvPr>
+            <p:ph type="title"/>
+          </p:nvPr>
+        </p:nvSpPr>
+        <p:spPr/>
+        <p:txBody>
+          <a:bodyPr/>
+          <a:lstStyle/>
+          <a:p>
+            <a:endParaRPr lang="fr-FR" dirty="0"/>
+          </a:p>
+        </p:txBody>
+      </p:sp>
+      <p:sp>
+        <p:nvSpPr>
+          <p:cNvPr id="3" name="Espace réservé du contenu 2">
+            <a:extLst>
+              <a:ext uri="{FF2B5EF4-FFF2-40B4-BE49-F238E27FC236}">
+                <a16:creationId xmlns:a16="http://schemas.microsoft.com/office/drawing/2014/main" id="{EB61616C-7FF3-39FA-46BF-B361F4B1096D}"/>
+              </a:ext>
+            </a:extLst>
+          </p:cNvPr>
+          <p:cNvSpPr>
+            <a:spLocks noGrp="1"/>
+          </p:cNvSpPr>
+          <p:nvPr>
+            <p:ph idx="1"/>
+          </p:nvPr>
+        </p:nvSpPr>
+        <p:spPr/>
+        <p:txBody>
+          <a:bodyPr/>
+          <a:lstStyle/>
+          <a:p>
+            <a:r>
+              <a:rPr lang="fr-FR" dirty="0" err="1"/>
+              <a:t>MinIo</a:t>
+            </a:r>
+            <a:endParaRPr lang="fr-FR" dirty="0"/>
+          </a:p>
+          <a:p>
+            <a:pPr lvl="1"/>
+            <a:r>
+              <a:rPr lang="fr-FR" dirty="0"/>
+              <a:t>Portage de AWS S3</a:t>
+            </a:r>
+          </a:p>
+          <a:p>
+            <a:pPr lvl="1"/>
+            <a:r>
+              <a:rPr lang="fr-FR" dirty="0"/>
+              <a:t>Même norme</a:t>
+            </a:r>
+          </a:p>
+          <a:p>
+            <a:pPr lvl="1"/>
+            <a:r>
+              <a:rPr lang="fr-FR" dirty="0"/>
+              <a:t>Compatible boto3</a:t>
+            </a:r>
+          </a:p>
+        </p:txBody>
+      </p:sp>
+      <p:pic>
+        <p:nvPicPr>
+          <p:cNvPr id="6" name="Image 5">
+            <a:extLst>
+              <a:ext uri="{FF2B5EF4-FFF2-40B4-BE49-F238E27FC236}">
+                <a16:creationId xmlns:a16="http://schemas.microsoft.com/office/drawing/2014/main" id="{CE394A70-1EE5-4681-E583-9F87E9959388}"/>
+              </a:ext>
+            </a:extLst>
+          </p:cNvPr>
+          <p:cNvPicPr>
+            <a:picLocks noChangeAspect="1"/>
+          </p:cNvPicPr>
+          <p:nvPr/>
+        </p:nvPicPr>
+        <p:blipFill>
+          <a:blip r:embed="rId2"/>
+          <a:stretch>
+            <a:fillRect/>
+          </a:stretch>
+        </p:blipFill>
+        <p:spPr>
+          <a:xfrm>
+            <a:off x="3131840" y="40158"/>
+            <a:ext cx="3096344" cy="1314334"/>
+          </a:xfrm>
+          <a:prstGeom prst="rect">
+            <a:avLst/>
+          </a:prstGeom>
+        </p:spPr>
+      </p:pic>
+    </p:spTree>
+    <p:extLst>
+      <p:ext uri="{BB962C8B-B14F-4D97-AF65-F5344CB8AC3E}">
+        <p14:creationId xmlns:p14="http://schemas.microsoft.com/office/powerpoint/2010/main" val="3915486782"/>
+      </p:ext>
+    </p:extLst>
+  </p:cSld>
+  <p:clrMapOvr>
+    <a:masterClrMapping/>
+  </p:clrMapOvr>
+</p:sld>
+</file>
+
+<file path=ppt/slides/slide5.xml><?xml version="1.0" encoding="utf-8"?>
 <p:sld xmlns:a="http://schemas.openxmlformats.org/drawingml/2006/main" xmlns:r="http://schemas.openxmlformats.org/officeDocument/2006/relationships" xmlns:p="http://schemas.openxmlformats.org/presentationml/2006/main">
   <p:cSld>
     <p:spTree>
@@ -4411,7 +4184,13 @@
       </p:grpSpPr>
       <p:sp>
         <p:nvSpPr>
-          <p:cNvPr id="2" name="Titre 1"/>
+          <p:cNvPr id="2" name="Titre 1">
+            <a:extLst>
+              <a:ext uri="{FF2B5EF4-FFF2-40B4-BE49-F238E27FC236}">
+                <a16:creationId xmlns:a16="http://schemas.microsoft.com/office/drawing/2014/main" id="{34CB34CD-D131-9B3A-8BF2-2890E4CA728F}"/>
+              </a:ext>
+            </a:extLst>
+          </p:cNvPr>
           <p:cNvSpPr>
             <a:spLocks noGrp="1"/>
           </p:cNvSpPr>
@@ -4425,15 +4204,22 @@
           <a:lstStyle/>
           <a:p>
             <a:r>
-              <a:rPr lang="fr-FR" dirty="0"/>
-              <a:t>Exemple d’écriture</a:t>
-            </a:r>
+              <a:rPr lang="fr-FR" dirty="0" err="1"/>
+              <a:t>Bucket</a:t>
+            </a:r>
+            <a:endParaRPr lang="fr-FR" dirty="0"/>
           </a:p>
         </p:txBody>
       </p:sp>
       <p:sp>
         <p:nvSpPr>
-          <p:cNvPr id="3" name="Espace réservé du contenu 2"/>
+          <p:cNvPr id="3" name="Espace réservé du contenu 2">
+            <a:extLst>
+              <a:ext uri="{FF2B5EF4-FFF2-40B4-BE49-F238E27FC236}">
+                <a16:creationId xmlns:a16="http://schemas.microsoft.com/office/drawing/2014/main" id="{079510A0-A7F7-ABD9-D7E9-A595670FB576}"/>
+              </a:ext>
+            </a:extLst>
+          </p:cNvPr>
           <p:cNvSpPr>
             <a:spLocks noGrp="1"/>
           </p:cNvSpPr>
@@ -4448,56 +4234,51 @@
           <a:p>
             <a:r>
               <a:rPr lang="fr-FR" dirty="0"/>
-              <a:t>Pour chaque bloc</a:t>
+              <a:t>Le </a:t>
+            </a:r>
+            <a:r>
+              <a:rPr lang="fr-FR" dirty="0" err="1"/>
+              <a:t>Bucket</a:t>
+            </a:r>
+            <a:r>
+              <a:rPr lang="fr-FR" dirty="0"/>
+              <a:t> défini un stockage S3</a:t>
+            </a:r>
+          </a:p>
+          <a:p>
+            <a:pPr lvl="1"/>
+            <a:r>
+              <a:rPr lang="fr-FR" dirty="0"/>
+              <a:t>Défini le lieu</a:t>
+            </a:r>
+          </a:p>
+          <a:p>
+            <a:pPr lvl="1"/>
+            <a:r>
+              <a:rPr lang="fr-FR" dirty="0"/>
+              <a:t>Le refroidissement</a:t>
+            </a:r>
+          </a:p>
+          <a:p>
+            <a:pPr lvl="1"/>
+            <a:r>
+              <a:rPr lang="fr-FR" dirty="0"/>
+              <a:t>La sécurité</a:t>
+            </a:r>
+          </a:p>
+          <a:p>
+            <a:pPr lvl="1"/>
+            <a:r>
+              <a:rPr lang="fr-FR" dirty="0"/>
+              <a:t>Peu posséder des sous dossiers</a:t>
             </a:r>
           </a:p>
         </p:txBody>
       </p:sp>
-      <p:pic>
-        <p:nvPicPr>
-          <p:cNvPr id="3076" name="Picture 4" descr="https://user.oc-static.com/upload/2017/08/03/15017753323082_hdfs-write.jpeg"/>
-          <p:cNvPicPr>
-            <a:picLocks noChangeAspect="1" noChangeArrowheads="1"/>
-          </p:cNvPicPr>
-          <p:nvPr/>
-        </p:nvPicPr>
-        <p:blipFill>
-          <a:blip r:embed="rId2">
-            <a:extLst>
-              <a:ext uri="{28A0092B-C50C-407E-A947-70E740481C1C}">
-                <a14:useLocalDpi xmlns:a14="http://schemas.microsoft.com/office/drawing/2010/main" val="0"/>
-              </a:ext>
-            </a:extLst>
-          </a:blip>
-          <a:srcRect/>
-          <a:stretch>
-            <a:fillRect/>
-          </a:stretch>
-        </p:blipFill>
-        <p:spPr bwMode="auto">
-          <a:xfrm>
-            <a:off x="971600" y="1846623"/>
-            <a:ext cx="6705600" cy="4581525"/>
-          </a:xfrm>
-          <a:prstGeom prst="rect">
-            <a:avLst/>
-          </a:prstGeom>
-          <a:noFill/>
-          <a:extLst>
-            <a:ext uri="{909E8E84-426E-40DD-AFC4-6F175D3DCCD1}">
-              <a14:hiddenFill xmlns:a14="http://schemas.microsoft.com/office/drawing/2010/main">
-                <a:solidFill>
-                  <a:srgbClr val="FFFFFF"/>
-                </a:solidFill>
-              </a14:hiddenFill>
-            </a:ext>
-          </a:extLst>
-        </p:spPr>
-      </p:pic>
     </p:spTree>
     <p:extLst>
       <p:ext uri="{BB962C8B-B14F-4D97-AF65-F5344CB8AC3E}">
-        <p14:creationId xmlns:p14="http://schemas.microsoft.com/office/powerpoint/2010/main" val="197650411"/>
+        <p14:creationId xmlns:p14="http://schemas.microsoft.com/office/powerpoint/2010/main" val="1114594682"/>
       </p:ext>
     </p:extLst>
   </p:cSld>
@@ -4507,919 +4288,7 @@
 </p:sld>
 </file>
 
-<file path=ppt/slides/slide13.xml><?xml version="1.0" encoding="utf-8"?>
-<p:sld xmlns:a="http://schemas.openxmlformats.org/drawingml/2006/main" xmlns:r="http://schemas.openxmlformats.org/officeDocument/2006/relationships" xmlns:p="http://schemas.openxmlformats.org/presentationml/2006/main">
-  <p:cSld>
-    <p:spTree>
-      <p:nvGrpSpPr>
-        <p:cNvPr id="1" name=""/>
-        <p:cNvGrpSpPr/>
-        <p:nvPr/>
-      </p:nvGrpSpPr>
-      <p:grpSpPr>
-        <a:xfrm>
-          <a:off x="0" y="0"/>
-          <a:ext cx="0" cy="0"/>
-          <a:chOff x="0" y="0"/>
-          <a:chExt cx="0" cy="0"/>
-        </a:xfrm>
-      </p:grpSpPr>
-      <p:sp>
-        <p:nvSpPr>
-          <p:cNvPr id="2" name="Titre 1"/>
-          <p:cNvSpPr>
-            <a:spLocks noGrp="1"/>
-          </p:cNvSpPr>
-          <p:nvPr>
-            <p:ph type="title"/>
-          </p:nvPr>
-        </p:nvSpPr>
-        <p:spPr/>
-        <p:txBody>
-          <a:bodyPr/>
-          <a:lstStyle/>
-          <a:p>
-            <a:r>
-              <a:rPr lang="fr-FR" dirty="0"/>
-              <a:t>Python HDFS</a:t>
-            </a:r>
-          </a:p>
-        </p:txBody>
-      </p:sp>
-      <p:sp>
-        <p:nvSpPr>
-          <p:cNvPr id="3" name="Espace réservé du contenu 2"/>
-          <p:cNvSpPr>
-            <a:spLocks noGrp="1"/>
-          </p:cNvSpPr>
-          <p:nvPr>
-            <p:ph idx="1"/>
-          </p:nvPr>
-        </p:nvSpPr>
-        <p:spPr/>
-        <p:txBody>
-          <a:bodyPr/>
-          <a:lstStyle/>
-          <a:p>
-            <a:r>
-              <a:rPr lang="fr-FR" dirty="0"/>
-              <a:t>Permet d’accéder à HDFS</a:t>
-            </a:r>
-          </a:p>
-          <a:p>
-            <a:endParaRPr lang="fr-FR" dirty="0"/>
-          </a:p>
-          <a:p>
-            <a:pPr marL="0" indent="0">
-              <a:buNone/>
-            </a:pPr>
-            <a:r>
-              <a:rPr lang="en-US" sz="2000" dirty="0">
-                <a:latin typeface="Courier New" panose="02070309020205020404" pitchFamily="49" charset="0"/>
-                <a:cs typeface="Courier New" panose="02070309020205020404" pitchFamily="49" charset="0"/>
-              </a:rPr>
-              <a:t>import </a:t>
-            </a:r>
-            <a:r>
-              <a:rPr lang="en-US" sz="2000" dirty="0" err="1">
-                <a:latin typeface="Courier New" panose="02070309020205020404" pitchFamily="49" charset="0"/>
-                <a:cs typeface="Courier New" panose="02070309020205020404" pitchFamily="49" charset="0"/>
-              </a:rPr>
-              <a:t>hdfs</a:t>
-            </a:r>
-            <a:endParaRPr lang="en-US" sz="2000" dirty="0">
-              <a:latin typeface="Courier New" panose="02070309020205020404" pitchFamily="49" charset="0"/>
-              <a:cs typeface="Courier New" panose="02070309020205020404" pitchFamily="49" charset="0"/>
-            </a:endParaRPr>
-          </a:p>
-          <a:p>
-            <a:pPr marL="0" indent="0">
-              <a:buNone/>
-            </a:pPr>
-            <a:r>
-              <a:rPr lang="en-US" sz="2000" dirty="0">
-                <a:latin typeface="Courier New" panose="02070309020205020404" pitchFamily="49" charset="0"/>
-                <a:cs typeface="Courier New" panose="02070309020205020404" pitchFamily="49" charset="0"/>
-              </a:rPr>
-              <a:t>client = </a:t>
-            </a:r>
-            <a:r>
-              <a:rPr lang="en-US" sz="2000" dirty="0" err="1">
-                <a:latin typeface="Courier New" panose="02070309020205020404" pitchFamily="49" charset="0"/>
-                <a:cs typeface="Courier New" panose="02070309020205020404" pitchFamily="49" charset="0"/>
-              </a:rPr>
-              <a:t>hdfs.InsecureClient</a:t>
-            </a:r>
-            <a:r>
-              <a:rPr lang="en-US" sz="2000" dirty="0">
-                <a:latin typeface="Courier New" panose="02070309020205020404" pitchFamily="49" charset="0"/>
-                <a:cs typeface="Courier New" panose="02070309020205020404" pitchFamily="49" charset="0"/>
-              </a:rPr>
-              <a:t>("http://localhost:50070")</a:t>
-            </a:r>
-          </a:p>
-          <a:p>
-            <a:pPr marL="0" indent="0">
-              <a:buNone/>
-            </a:pPr>
-            <a:r>
-              <a:rPr lang="en-US" sz="2000" dirty="0">
-                <a:latin typeface="Courier New" panose="02070309020205020404" pitchFamily="49" charset="0"/>
-                <a:cs typeface="Courier New" panose="02070309020205020404" pitchFamily="49" charset="0"/>
-              </a:rPr>
-              <a:t>print(</a:t>
-            </a:r>
-            <a:r>
-              <a:rPr lang="en-US" sz="2000" dirty="0" err="1">
-                <a:latin typeface="Courier New" panose="02070309020205020404" pitchFamily="49" charset="0"/>
-                <a:cs typeface="Courier New" panose="02070309020205020404" pitchFamily="49" charset="0"/>
-              </a:rPr>
-              <a:t>client.list</a:t>
-            </a:r>
-            <a:r>
-              <a:rPr lang="en-US" sz="2000" dirty="0">
-                <a:latin typeface="Courier New" panose="02070309020205020404" pitchFamily="49" charset="0"/>
-                <a:cs typeface="Courier New" panose="02070309020205020404" pitchFamily="49" charset="0"/>
-              </a:rPr>
-              <a:t>("/"))</a:t>
-            </a:r>
-          </a:p>
-          <a:p>
-            <a:pPr marL="0" indent="0">
-              <a:buNone/>
-            </a:pPr>
-            <a:r>
-              <a:rPr lang="en-US" sz="2000" dirty="0">
-                <a:latin typeface="Courier New" panose="02070309020205020404" pitchFamily="49" charset="0"/>
-                <a:cs typeface="Courier New" panose="02070309020205020404" pitchFamily="49" charset="0"/>
-              </a:rPr>
-              <a:t>print(</a:t>
-            </a:r>
-            <a:r>
-              <a:rPr lang="en-US" sz="2000" dirty="0" err="1">
-                <a:latin typeface="Courier New" panose="02070309020205020404" pitchFamily="49" charset="0"/>
-                <a:cs typeface="Courier New" panose="02070309020205020404" pitchFamily="49" charset="0"/>
-              </a:rPr>
-              <a:t>client.status</a:t>
-            </a:r>
-            <a:r>
-              <a:rPr lang="en-US" sz="2000" dirty="0">
-                <a:latin typeface="Courier New" panose="02070309020205020404" pitchFamily="49" charset="0"/>
-                <a:cs typeface="Courier New" panose="02070309020205020404" pitchFamily="49" charset="0"/>
-              </a:rPr>
-              <a:t>("/hello.txt"))</a:t>
-            </a:r>
-          </a:p>
-          <a:p>
-            <a:pPr marL="0" indent="0">
-              <a:buNone/>
-            </a:pPr>
-            <a:r>
-              <a:rPr lang="en-US" sz="2000" dirty="0">
-                <a:latin typeface="Courier New" panose="02070309020205020404" pitchFamily="49" charset="0"/>
-                <a:cs typeface="Courier New" panose="02070309020205020404" pitchFamily="49" charset="0"/>
-              </a:rPr>
-              <a:t>with </a:t>
-            </a:r>
-            <a:r>
-              <a:rPr lang="en-US" sz="2000" dirty="0" err="1">
-                <a:latin typeface="Courier New" panose="02070309020205020404" pitchFamily="49" charset="0"/>
-                <a:cs typeface="Courier New" panose="02070309020205020404" pitchFamily="49" charset="0"/>
-              </a:rPr>
-              <a:t>client.read</a:t>
-            </a:r>
-            <a:r>
-              <a:rPr lang="en-US" sz="2000" dirty="0">
-                <a:latin typeface="Courier New" panose="02070309020205020404" pitchFamily="49" charset="0"/>
-                <a:cs typeface="Courier New" panose="02070309020205020404" pitchFamily="49" charset="0"/>
-              </a:rPr>
-              <a:t>("/hello.txt") as f:</a:t>
-            </a:r>
-          </a:p>
-          <a:p>
-            <a:pPr marL="0" indent="0">
-              <a:buNone/>
-            </a:pPr>
-            <a:r>
-              <a:rPr lang="en-US" sz="2000" dirty="0">
-                <a:latin typeface="Courier New" panose="02070309020205020404" pitchFamily="49" charset="0"/>
-                <a:cs typeface="Courier New" panose="02070309020205020404" pitchFamily="49" charset="0"/>
-              </a:rPr>
-              <a:t>    print(</a:t>
-            </a:r>
-            <a:r>
-              <a:rPr lang="en-US" sz="2000" dirty="0" err="1">
-                <a:latin typeface="Courier New" panose="02070309020205020404" pitchFamily="49" charset="0"/>
-                <a:cs typeface="Courier New" panose="02070309020205020404" pitchFamily="49" charset="0"/>
-              </a:rPr>
-              <a:t>f.read</a:t>
-            </a:r>
-            <a:r>
-              <a:rPr lang="en-US" sz="2000" dirty="0">
-                <a:latin typeface="Courier New" panose="02070309020205020404" pitchFamily="49" charset="0"/>
-                <a:cs typeface="Courier New" panose="02070309020205020404" pitchFamily="49" charset="0"/>
-              </a:rPr>
-              <a:t>())</a:t>
-            </a:r>
-          </a:p>
-          <a:p>
-            <a:pPr marL="0" indent="0">
-              <a:buNone/>
-            </a:pPr>
-            <a:endParaRPr lang="en-US" dirty="0"/>
-          </a:p>
-          <a:p>
-            <a:pPr marL="0" indent="0">
-              <a:buNone/>
-            </a:pPr>
-            <a:r>
-              <a:rPr lang="en-US" dirty="0"/>
-              <a:t>Les scripts Python </a:t>
-            </a:r>
-            <a:r>
-              <a:rPr lang="en-US" dirty="0" err="1"/>
-              <a:t>peuvent</a:t>
-            </a:r>
-            <a:r>
-              <a:rPr lang="en-US" dirty="0"/>
-              <a:t> </a:t>
-            </a:r>
-            <a:r>
-              <a:rPr lang="en-US" dirty="0" err="1"/>
-              <a:t>être</a:t>
-            </a:r>
-            <a:r>
-              <a:rPr lang="en-US" dirty="0"/>
-              <a:t> </a:t>
-            </a:r>
-            <a:r>
-              <a:rPr lang="en-US" dirty="0" err="1"/>
-              <a:t>schedulés</a:t>
-            </a:r>
-            <a:r>
-              <a:rPr lang="en-US" dirty="0"/>
-              <a:t> et executer sur Hadoop avec Yarn</a:t>
-            </a:r>
-            <a:endParaRPr lang="fr-FR" dirty="0"/>
-          </a:p>
-        </p:txBody>
-      </p:sp>
-    </p:spTree>
-    <p:extLst>
-      <p:ext uri="{BB962C8B-B14F-4D97-AF65-F5344CB8AC3E}">
-        <p14:creationId xmlns:p14="http://schemas.microsoft.com/office/powerpoint/2010/main" val="1578075222"/>
-      </p:ext>
-    </p:extLst>
-  </p:cSld>
-  <p:clrMapOvr>
-    <a:masterClrMapping/>
-  </p:clrMapOvr>
-</p:sld>
-</file>
-
-<file path=ppt/slides/slide14.xml><?xml version="1.0" encoding="utf-8"?>
-<p:sld xmlns:a="http://schemas.openxmlformats.org/drawingml/2006/main" xmlns:r="http://schemas.openxmlformats.org/officeDocument/2006/relationships" xmlns:p="http://schemas.openxmlformats.org/presentationml/2006/main">
-  <p:cSld>
-    <p:spTree>
-      <p:nvGrpSpPr>
-        <p:cNvPr id="1" name=""/>
-        <p:cNvGrpSpPr/>
-        <p:nvPr/>
-      </p:nvGrpSpPr>
-      <p:grpSpPr>
-        <a:xfrm>
-          <a:off x="0" y="0"/>
-          <a:ext cx="0" cy="0"/>
-          <a:chOff x="0" y="0"/>
-          <a:chExt cx="0" cy="0"/>
-        </a:xfrm>
-      </p:grpSpPr>
-      <p:sp>
-        <p:nvSpPr>
-          <p:cNvPr id="2" name="Titre 1"/>
-          <p:cNvSpPr>
-            <a:spLocks noGrp="1"/>
-          </p:cNvSpPr>
-          <p:nvPr>
-            <p:ph type="title"/>
-          </p:nvPr>
-        </p:nvSpPr>
-        <p:spPr/>
-        <p:txBody>
-          <a:bodyPr/>
-          <a:lstStyle/>
-          <a:p>
-            <a:r>
-              <a:rPr lang="fr-FR" dirty="0" err="1"/>
-              <a:t>Map</a:t>
-            </a:r>
-            <a:r>
-              <a:rPr lang="fr-FR" dirty="0"/>
-              <a:t> </a:t>
-            </a:r>
-            <a:r>
-              <a:rPr lang="fr-FR" dirty="0" err="1"/>
-              <a:t>Reduce</a:t>
-            </a:r>
-            <a:endParaRPr lang="fr-FR" dirty="0"/>
-          </a:p>
-        </p:txBody>
-      </p:sp>
-      <p:sp>
-        <p:nvSpPr>
-          <p:cNvPr id="3" name="Espace réservé du contenu 2"/>
-          <p:cNvSpPr>
-            <a:spLocks noGrp="1"/>
-          </p:cNvSpPr>
-          <p:nvPr>
-            <p:ph idx="1"/>
-          </p:nvPr>
-        </p:nvSpPr>
-        <p:spPr/>
-        <p:txBody>
-          <a:bodyPr/>
-          <a:lstStyle/>
-          <a:p>
-            <a:r>
-              <a:rPr lang="fr-FR" dirty="0"/>
-              <a:t>Comme en Python</a:t>
-            </a:r>
-          </a:p>
-          <a:p>
-            <a:r>
-              <a:rPr lang="fr-FR" dirty="0" err="1"/>
-              <a:t>Map</a:t>
-            </a:r>
-            <a:r>
-              <a:rPr lang="fr-FR" dirty="0"/>
-              <a:t> applique une fonction sur une liste de données</a:t>
-            </a:r>
-          </a:p>
-          <a:p>
-            <a:r>
-              <a:rPr lang="fr-FR" dirty="0" err="1"/>
-              <a:t>Reduce</a:t>
-            </a:r>
-            <a:r>
-              <a:rPr lang="fr-FR" dirty="0"/>
-              <a:t> agrège le résultat</a:t>
-            </a:r>
-          </a:p>
-          <a:p>
-            <a:r>
-              <a:rPr lang="fr-FR" dirty="0" err="1"/>
-              <a:t>Hadoop</a:t>
-            </a:r>
-            <a:r>
-              <a:rPr lang="fr-FR" dirty="0"/>
-              <a:t> ajoute le distribué</a:t>
-            </a:r>
-          </a:p>
-        </p:txBody>
-      </p:sp>
-      <p:pic>
-        <p:nvPicPr>
-          <p:cNvPr id="1026" name="Picture 2" descr="https://user.oc-static.com/upload/2017/03/21/14900935617221_Diapositive07.jpeg"/>
-          <p:cNvPicPr>
-            <a:picLocks noChangeAspect="1" noChangeArrowheads="1"/>
-          </p:cNvPicPr>
-          <p:nvPr/>
-        </p:nvPicPr>
-        <p:blipFill>
-          <a:blip r:embed="rId2">
-            <a:extLst>
-              <a:ext uri="{28A0092B-C50C-407E-A947-70E740481C1C}">
-                <a14:useLocalDpi xmlns:a14="http://schemas.microsoft.com/office/drawing/2010/main" val="0"/>
-              </a:ext>
-            </a:extLst>
-          </a:blip>
-          <a:srcRect/>
-          <a:stretch>
-            <a:fillRect/>
-          </a:stretch>
-        </p:blipFill>
-        <p:spPr bwMode="auto">
-          <a:xfrm>
-            <a:off x="2606352" y="3534172"/>
-            <a:ext cx="3912369" cy="2934277"/>
-          </a:xfrm>
-          <a:prstGeom prst="rect">
-            <a:avLst/>
-          </a:prstGeom>
-          <a:noFill/>
-          <a:extLst>
-            <a:ext uri="{909E8E84-426E-40DD-AFC4-6F175D3DCCD1}">
-              <a14:hiddenFill xmlns:a14="http://schemas.microsoft.com/office/drawing/2010/main">
-                <a:solidFill>
-                  <a:srgbClr val="FFFFFF"/>
-                </a:solidFill>
-              </a14:hiddenFill>
-            </a:ext>
-          </a:extLst>
-        </p:spPr>
-      </p:pic>
-    </p:spTree>
-    <p:extLst>
-      <p:ext uri="{BB962C8B-B14F-4D97-AF65-F5344CB8AC3E}">
-        <p14:creationId xmlns:p14="http://schemas.microsoft.com/office/powerpoint/2010/main" val="3185987948"/>
-      </p:ext>
-    </p:extLst>
-  </p:cSld>
-  <p:clrMapOvr>
-    <a:masterClrMapping/>
-  </p:clrMapOvr>
-</p:sld>
-</file>
-
-<file path=ppt/slides/slide15.xml><?xml version="1.0" encoding="utf-8"?>
-<p:sld xmlns:a="http://schemas.openxmlformats.org/drawingml/2006/main" xmlns:r="http://schemas.openxmlformats.org/officeDocument/2006/relationships" xmlns:p="http://schemas.openxmlformats.org/presentationml/2006/main">
-  <p:cSld>
-    <p:spTree>
-      <p:nvGrpSpPr>
-        <p:cNvPr id="1" name=""/>
-        <p:cNvGrpSpPr/>
-        <p:nvPr/>
-      </p:nvGrpSpPr>
-      <p:grpSpPr>
-        <a:xfrm>
-          <a:off x="0" y="0"/>
-          <a:ext cx="0" cy="0"/>
-          <a:chOff x="0" y="0"/>
-          <a:chExt cx="0" cy="0"/>
-        </a:xfrm>
-      </p:grpSpPr>
-      <p:sp>
-        <p:nvSpPr>
-          <p:cNvPr id="2" name="Titre 1"/>
-          <p:cNvSpPr>
-            <a:spLocks noGrp="1"/>
-          </p:cNvSpPr>
-          <p:nvPr>
-            <p:ph type="title"/>
-          </p:nvPr>
-        </p:nvSpPr>
-        <p:spPr/>
-        <p:txBody>
-          <a:bodyPr/>
-          <a:lstStyle/>
-          <a:p>
-            <a:r>
-              <a:rPr lang="fr-FR" dirty="0" err="1"/>
-              <a:t>Map</a:t>
-            </a:r>
-            <a:endParaRPr lang="fr-FR" dirty="0"/>
-          </a:p>
-        </p:txBody>
-      </p:sp>
-      <p:pic>
-        <p:nvPicPr>
-          <p:cNvPr id="2050" name="Picture 2" descr="https://user.oc-static.com/upload/2017/03/21/14900936067493_Diapositive10.jpeg"/>
-          <p:cNvPicPr>
-            <a:picLocks noGrp="1" noChangeAspect="1" noChangeArrowheads="1"/>
-          </p:cNvPicPr>
-          <p:nvPr>
-            <p:ph idx="1"/>
-          </p:nvPr>
-        </p:nvPicPr>
-        <p:blipFill>
-          <a:blip r:embed="rId2">
-            <a:extLst>
-              <a:ext uri="{28A0092B-C50C-407E-A947-70E740481C1C}">
-                <a14:useLocalDpi xmlns:a14="http://schemas.microsoft.com/office/drawing/2010/main" val="0"/>
-              </a:ext>
-            </a:extLst>
-          </a:blip>
-          <a:srcRect/>
-          <a:stretch>
-            <a:fillRect/>
-          </a:stretch>
-        </p:blipFill>
-        <p:spPr bwMode="auto">
-          <a:xfrm>
-            <a:off x="755557" y="1412875"/>
-            <a:ext cx="7613837" cy="5040313"/>
-          </a:xfrm>
-          <a:prstGeom prst="rect">
-            <a:avLst/>
-          </a:prstGeom>
-          <a:noFill/>
-          <a:extLst>
-            <a:ext uri="{909E8E84-426E-40DD-AFC4-6F175D3DCCD1}">
-              <a14:hiddenFill xmlns:a14="http://schemas.microsoft.com/office/drawing/2010/main">
-                <a:solidFill>
-                  <a:srgbClr val="FFFFFF"/>
-                </a:solidFill>
-              </a14:hiddenFill>
-            </a:ext>
-          </a:extLst>
-        </p:spPr>
-      </p:pic>
-    </p:spTree>
-    <p:extLst>
-      <p:ext uri="{BB962C8B-B14F-4D97-AF65-F5344CB8AC3E}">
-        <p14:creationId xmlns:p14="http://schemas.microsoft.com/office/powerpoint/2010/main" val="2059996819"/>
-      </p:ext>
-    </p:extLst>
-  </p:cSld>
-  <p:clrMapOvr>
-    <a:masterClrMapping/>
-  </p:clrMapOvr>
-</p:sld>
-</file>
-
-<file path=ppt/slides/slide16.xml><?xml version="1.0" encoding="utf-8"?>
-<p:sld xmlns:a="http://schemas.openxmlformats.org/drawingml/2006/main" xmlns:r="http://schemas.openxmlformats.org/officeDocument/2006/relationships" xmlns:p="http://schemas.openxmlformats.org/presentationml/2006/main">
-  <p:cSld>
-    <p:spTree>
-      <p:nvGrpSpPr>
-        <p:cNvPr id="1" name=""/>
-        <p:cNvGrpSpPr/>
-        <p:nvPr/>
-      </p:nvGrpSpPr>
-      <p:grpSpPr>
-        <a:xfrm>
-          <a:off x="0" y="0"/>
-          <a:ext cx="0" cy="0"/>
-          <a:chOff x="0" y="0"/>
-          <a:chExt cx="0" cy="0"/>
-        </a:xfrm>
-      </p:grpSpPr>
-      <p:sp>
-        <p:nvSpPr>
-          <p:cNvPr id="2" name="Titre 1"/>
-          <p:cNvSpPr>
-            <a:spLocks noGrp="1"/>
-          </p:cNvSpPr>
-          <p:nvPr>
-            <p:ph type="title"/>
-          </p:nvPr>
-        </p:nvSpPr>
-        <p:spPr/>
-        <p:txBody>
-          <a:bodyPr/>
-          <a:lstStyle/>
-          <a:p>
-            <a:r>
-              <a:rPr lang="fr-FR" dirty="0" err="1"/>
-              <a:t>Map</a:t>
-            </a:r>
-            <a:r>
-              <a:rPr lang="fr-FR" dirty="0"/>
-              <a:t> distribué</a:t>
-            </a:r>
-          </a:p>
-        </p:txBody>
-      </p:sp>
-      <p:sp>
-        <p:nvSpPr>
-          <p:cNvPr id="4" name="Espace réservé du contenu 3"/>
-          <p:cNvSpPr>
-            <a:spLocks noGrp="1"/>
-          </p:cNvSpPr>
-          <p:nvPr>
-            <p:ph idx="1"/>
-          </p:nvPr>
-        </p:nvSpPr>
-        <p:spPr/>
-        <p:txBody>
-          <a:bodyPr/>
-          <a:lstStyle/>
-          <a:p>
-            <a:endParaRPr lang="fr-FR"/>
-          </a:p>
-        </p:txBody>
-      </p:sp>
-      <p:pic>
-        <p:nvPicPr>
-          <p:cNvPr id="3076" name="Picture 4" descr="https://user.oc-static.com/upload/2017/03/21/1490093682024_Diapositive13.jpeg"/>
-          <p:cNvPicPr>
-            <a:picLocks noChangeAspect="1" noChangeArrowheads="1"/>
-          </p:cNvPicPr>
-          <p:nvPr/>
-        </p:nvPicPr>
-        <p:blipFill>
-          <a:blip r:embed="rId2">
-            <a:extLst>
-              <a:ext uri="{28A0092B-C50C-407E-A947-70E740481C1C}">
-                <a14:useLocalDpi xmlns:a14="http://schemas.microsoft.com/office/drawing/2010/main" val="0"/>
-              </a:ext>
-            </a:extLst>
-          </a:blip>
-          <a:srcRect/>
-          <a:stretch>
-            <a:fillRect/>
-          </a:stretch>
-        </p:blipFill>
-        <p:spPr bwMode="auto">
-          <a:xfrm>
-            <a:off x="387678" y="1412776"/>
-            <a:ext cx="8349717" cy="4388347"/>
-          </a:xfrm>
-          <a:prstGeom prst="rect">
-            <a:avLst/>
-          </a:prstGeom>
-          <a:noFill/>
-          <a:extLst>
-            <a:ext uri="{909E8E84-426E-40DD-AFC4-6F175D3DCCD1}">
-              <a14:hiddenFill xmlns:a14="http://schemas.microsoft.com/office/drawing/2010/main">
-                <a:solidFill>
-                  <a:srgbClr val="FFFFFF"/>
-                </a:solidFill>
-              </a14:hiddenFill>
-            </a:ext>
-          </a:extLst>
-        </p:spPr>
-      </p:pic>
-    </p:spTree>
-    <p:extLst>
-      <p:ext uri="{BB962C8B-B14F-4D97-AF65-F5344CB8AC3E}">
-        <p14:creationId xmlns:p14="http://schemas.microsoft.com/office/powerpoint/2010/main" val="549981482"/>
-      </p:ext>
-    </p:extLst>
-  </p:cSld>
-  <p:clrMapOvr>
-    <a:masterClrMapping/>
-  </p:clrMapOvr>
-</p:sld>
-</file>
-
-<file path=ppt/slides/slide17.xml><?xml version="1.0" encoding="utf-8"?>
-<p:sld xmlns:a="http://schemas.openxmlformats.org/drawingml/2006/main" xmlns:r="http://schemas.openxmlformats.org/officeDocument/2006/relationships" xmlns:p="http://schemas.openxmlformats.org/presentationml/2006/main">
-  <p:cSld>
-    <p:spTree>
-      <p:nvGrpSpPr>
-        <p:cNvPr id="1" name=""/>
-        <p:cNvGrpSpPr/>
-        <p:nvPr/>
-      </p:nvGrpSpPr>
-      <p:grpSpPr>
-        <a:xfrm>
-          <a:off x="0" y="0"/>
-          <a:ext cx="0" cy="0"/>
-          <a:chOff x="0" y="0"/>
-          <a:chExt cx="0" cy="0"/>
-        </a:xfrm>
-      </p:grpSpPr>
-      <p:sp>
-        <p:nvSpPr>
-          <p:cNvPr id="2" name="Titre 1"/>
-          <p:cNvSpPr>
-            <a:spLocks noGrp="1"/>
-          </p:cNvSpPr>
-          <p:nvPr>
-            <p:ph type="title"/>
-          </p:nvPr>
-        </p:nvSpPr>
-        <p:spPr/>
-        <p:txBody>
-          <a:bodyPr/>
-          <a:lstStyle/>
-          <a:p>
-            <a:r>
-              <a:rPr lang="fr-FR" dirty="0" err="1"/>
-              <a:t>Reduce</a:t>
-            </a:r>
-            <a:endParaRPr lang="fr-FR" dirty="0"/>
-          </a:p>
-        </p:txBody>
-      </p:sp>
-      <p:pic>
-        <p:nvPicPr>
-          <p:cNvPr id="4098" name="Picture 2" descr="https://user.oc-static.com/upload/2017/03/21/14900937368796_Diapositive19.jpeg"/>
-          <p:cNvPicPr>
-            <a:picLocks noChangeAspect="1" noChangeArrowheads="1"/>
-          </p:cNvPicPr>
-          <p:nvPr/>
-        </p:nvPicPr>
-        <p:blipFill>
-          <a:blip r:embed="rId2">
-            <a:extLst>
-              <a:ext uri="{28A0092B-C50C-407E-A947-70E740481C1C}">
-                <a14:useLocalDpi xmlns:a14="http://schemas.microsoft.com/office/drawing/2010/main" val="0"/>
-              </a:ext>
-            </a:extLst>
-          </a:blip>
-          <a:srcRect/>
-          <a:stretch>
-            <a:fillRect/>
-          </a:stretch>
-        </p:blipFill>
-        <p:spPr bwMode="auto">
-          <a:xfrm>
-            <a:off x="971600" y="1101179"/>
-            <a:ext cx="6858000" cy="5143501"/>
-          </a:xfrm>
-          <a:prstGeom prst="rect">
-            <a:avLst/>
-          </a:prstGeom>
-          <a:noFill/>
-          <a:extLst>
-            <a:ext uri="{909E8E84-426E-40DD-AFC4-6F175D3DCCD1}">
-              <a14:hiddenFill xmlns:a14="http://schemas.microsoft.com/office/drawing/2010/main">
-                <a:solidFill>
-                  <a:srgbClr val="FFFFFF"/>
-                </a:solidFill>
-              </a14:hiddenFill>
-            </a:ext>
-          </a:extLst>
-        </p:spPr>
-      </p:pic>
-    </p:spTree>
-    <p:extLst>
-      <p:ext uri="{BB962C8B-B14F-4D97-AF65-F5344CB8AC3E}">
-        <p14:creationId xmlns:p14="http://schemas.microsoft.com/office/powerpoint/2010/main" val="746327188"/>
-      </p:ext>
-    </p:extLst>
-  </p:cSld>
-  <p:clrMapOvr>
-    <a:masterClrMapping/>
-  </p:clrMapOvr>
-</p:sld>
-</file>
-
-<file path=ppt/slides/slide18.xml><?xml version="1.0" encoding="utf-8"?>
-<p:sld xmlns:a="http://schemas.openxmlformats.org/drawingml/2006/main" xmlns:r="http://schemas.openxmlformats.org/officeDocument/2006/relationships" xmlns:p="http://schemas.openxmlformats.org/presentationml/2006/main">
-  <p:cSld>
-    <p:spTree>
-      <p:nvGrpSpPr>
-        <p:cNvPr id="1" name=""/>
-        <p:cNvGrpSpPr/>
-        <p:nvPr/>
-      </p:nvGrpSpPr>
-      <p:grpSpPr>
-        <a:xfrm>
-          <a:off x="0" y="0"/>
-          <a:ext cx="0" cy="0"/>
-          <a:chOff x="0" y="0"/>
-          <a:chExt cx="0" cy="0"/>
-        </a:xfrm>
-      </p:grpSpPr>
-      <p:sp>
-        <p:nvSpPr>
-          <p:cNvPr id="2" name="Titre 1"/>
-          <p:cNvSpPr>
-            <a:spLocks noGrp="1"/>
-          </p:cNvSpPr>
-          <p:nvPr>
-            <p:ph type="title"/>
-          </p:nvPr>
-        </p:nvSpPr>
-        <p:spPr/>
-        <p:txBody>
-          <a:bodyPr/>
-          <a:lstStyle/>
-          <a:p>
-            <a:r>
-              <a:rPr lang="fr-FR" dirty="0"/>
-              <a:t>Ecosystème </a:t>
-            </a:r>
-            <a:r>
-              <a:rPr lang="fr-FR" dirty="0" err="1"/>
-              <a:t>Hadoop</a:t>
-            </a:r>
-            <a:endParaRPr lang="fr-FR" dirty="0"/>
-          </a:p>
-        </p:txBody>
-      </p:sp>
-      <p:pic>
-        <p:nvPicPr>
-          <p:cNvPr id="6" name="Image 5"/>
-          <p:cNvPicPr>
-            <a:picLocks noChangeAspect="1"/>
-          </p:cNvPicPr>
-          <p:nvPr/>
-        </p:nvPicPr>
-        <p:blipFill>
-          <a:blip r:embed="rId2"/>
-          <a:stretch>
-            <a:fillRect/>
-          </a:stretch>
-        </p:blipFill>
-        <p:spPr>
-          <a:xfrm>
-            <a:off x="1619672" y="980728"/>
-            <a:ext cx="6140921" cy="5055745"/>
-          </a:xfrm>
-          <a:prstGeom prst="rect">
-            <a:avLst/>
-          </a:prstGeom>
-        </p:spPr>
-      </p:pic>
-    </p:spTree>
-    <p:extLst>
-      <p:ext uri="{BB962C8B-B14F-4D97-AF65-F5344CB8AC3E}">
-        <p14:creationId xmlns:p14="http://schemas.microsoft.com/office/powerpoint/2010/main" val="1919200292"/>
-      </p:ext>
-    </p:extLst>
-  </p:cSld>
-  <p:clrMapOvr>
-    <a:masterClrMapping/>
-  </p:clrMapOvr>
-</p:sld>
-</file>
-
-<file path=ppt/slides/slide19.xml><?xml version="1.0" encoding="utf-8"?>
-<p:sld xmlns:a="http://schemas.openxmlformats.org/drawingml/2006/main" xmlns:r="http://schemas.openxmlformats.org/officeDocument/2006/relationships" xmlns:p="http://schemas.openxmlformats.org/presentationml/2006/main">
-  <p:cSld>
-    <p:spTree>
-      <p:nvGrpSpPr>
-        <p:cNvPr id="1" name=""/>
-        <p:cNvGrpSpPr/>
-        <p:nvPr/>
-      </p:nvGrpSpPr>
-      <p:grpSpPr>
-        <a:xfrm>
-          <a:off x="0" y="0"/>
-          <a:ext cx="0" cy="0"/>
-          <a:chOff x="0" y="0"/>
-          <a:chExt cx="0" cy="0"/>
-        </a:xfrm>
-      </p:grpSpPr>
-      <p:sp>
-        <p:nvSpPr>
-          <p:cNvPr id="2" name="Titre 1"/>
-          <p:cNvSpPr>
-            <a:spLocks noGrp="1"/>
-          </p:cNvSpPr>
-          <p:nvPr>
-            <p:ph type="title"/>
-          </p:nvPr>
-        </p:nvSpPr>
-        <p:spPr/>
-        <p:txBody>
-          <a:bodyPr/>
-          <a:lstStyle/>
-          <a:p>
-            <a:r>
-              <a:rPr lang="fr-FR" dirty="0"/>
-              <a:t>Distributions</a:t>
-            </a:r>
-          </a:p>
-        </p:txBody>
-      </p:sp>
-      <p:sp>
-        <p:nvSpPr>
-          <p:cNvPr id="3" name="Espace réservé du contenu 2"/>
-          <p:cNvSpPr>
-            <a:spLocks noGrp="1"/>
-          </p:cNvSpPr>
-          <p:nvPr>
-            <p:ph idx="1"/>
-          </p:nvPr>
-        </p:nvSpPr>
-        <p:spPr/>
-        <p:txBody>
-          <a:bodyPr/>
-          <a:lstStyle/>
-          <a:p>
-            <a:r>
-              <a:rPr lang="fr-FR" dirty="0"/>
-              <a:t>Il existe des distributions avec les principaux outils déjà installé, des consoles d’administration et des mises à jour</a:t>
-            </a:r>
-          </a:p>
-          <a:p>
-            <a:pPr lvl="1"/>
-            <a:r>
-              <a:rPr lang="fr-FR" dirty="0" err="1"/>
-              <a:t>MapR</a:t>
-            </a:r>
-            <a:endParaRPr lang="fr-FR" dirty="0"/>
-          </a:p>
-          <a:p>
-            <a:pPr lvl="1"/>
-            <a:r>
-              <a:rPr lang="fr-FR" dirty="0" err="1"/>
-              <a:t>Cloudera</a:t>
-            </a:r>
-            <a:endParaRPr lang="fr-FR" dirty="0"/>
-          </a:p>
-          <a:p>
-            <a:pPr lvl="1"/>
-            <a:r>
-              <a:rPr lang="fr-FR" dirty="0" err="1"/>
-              <a:t>HortonWorks</a:t>
-            </a:r>
-            <a:endParaRPr lang="fr-FR" dirty="0"/>
-          </a:p>
-          <a:p>
-            <a:endParaRPr lang="fr-FR" dirty="0"/>
-          </a:p>
-        </p:txBody>
-      </p:sp>
-    </p:spTree>
-    <p:extLst>
-      <p:ext uri="{BB962C8B-B14F-4D97-AF65-F5344CB8AC3E}">
-        <p14:creationId xmlns:p14="http://schemas.microsoft.com/office/powerpoint/2010/main" val="3799877205"/>
-      </p:ext>
-    </p:extLst>
-  </p:cSld>
-  <p:clrMapOvr>
-    <a:masterClrMapping/>
-  </p:clrMapOvr>
-</p:sld>
-</file>
-
-<file path=ppt/slides/slide2.xml><?xml version="1.0" encoding="utf-8"?>
+<file path=ppt/slides/slide6.xml><?xml version="1.0" encoding="utf-8"?>
 <p:sld xmlns:a="http://schemas.openxmlformats.org/drawingml/2006/main" xmlns:r="http://schemas.openxmlformats.org/officeDocument/2006/relationships" xmlns:p="http://schemas.openxmlformats.org/presentationml/2006/main">
   <p:cSld>
     <p:spTree>
@@ -5457,7 +4326,10 @@
           <a:bodyPr/>
           <a:lstStyle/>
           <a:p>
-            <a:endParaRPr lang="fr-FR"/>
+            <a:r>
+              <a:rPr lang="fr-FR" dirty="0"/>
+              <a:t>Le refroidissement</a:t>
+            </a:r>
           </a:p>
         </p:txBody>
       </p:sp>
@@ -5484,37 +4356,19 @@
           <a:p>
             <a:r>
               <a:rPr lang="fr-FR" dirty="0"/>
-              <a:t>S3</a:t>
-            </a:r>
-          </a:p>
-          <a:p>
-            <a:r>
-              <a:rPr lang="fr-FR" dirty="0" err="1"/>
-              <a:t>MinIO</a:t>
-            </a:r>
-            <a:endParaRPr lang="fr-FR" dirty="0"/>
-          </a:p>
-          <a:p>
-            <a:r>
-              <a:rPr lang="fr-FR" dirty="0" err="1"/>
-              <a:t>ObjectStorage</a:t>
-            </a:r>
-            <a:endParaRPr lang="fr-FR" dirty="0"/>
+              <a:t>L'avantage de S3 est son tarif variable en fonction du refroidissement des données</a:t>
+            </a:r>
           </a:p>
           <a:p>
             <a:r>
               <a:rPr lang="fr-FR" dirty="0"/>
-              <a:t>Refroidissement</a:t>
+              <a:t>Stockage très chaud : SSD</a:t>
             </a:r>
           </a:p>
           <a:p>
             <a:r>
               <a:rPr lang="fr-FR" dirty="0"/>
-              <a:t>TP sur </a:t>
-            </a:r>
-            <a:r>
-              <a:rPr lang="fr-FR"/>
-              <a:t>le refroidissement</a:t>
+              <a:t>Stockage très froid : Bande magnétique</a:t>
             </a:r>
           </a:p>
         </p:txBody>
@@ -5523,2574 +4377,6 @@
     <p:extLst>
       <p:ext uri="{BB962C8B-B14F-4D97-AF65-F5344CB8AC3E}">
         <p14:creationId xmlns:p14="http://schemas.microsoft.com/office/powerpoint/2010/main" val="3708476608"/>
-      </p:ext>
-    </p:extLst>
-  </p:cSld>
-  <p:clrMapOvr>
-    <a:masterClrMapping/>
-  </p:clrMapOvr>
-</p:sld>
-</file>
-
-<file path=ppt/slides/slide20.xml><?xml version="1.0" encoding="utf-8"?>
-<p:sld xmlns:a="http://schemas.openxmlformats.org/drawingml/2006/main" xmlns:r="http://schemas.openxmlformats.org/officeDocument/2006/relationships" xmlns:p="http://schemas.openxmlformats.org/presentationml/2006/main">
-  <p:cSld>
-    <p:spTree>
-      <p:nvGrpSpPr>
-        <p:cNvPr id="1" name=""/>
-        <p:cNvGrpSpPr/>
-        <p:nvPr/>
-      </p:nvGrpSpPr>
-      <p:grpSpPr>
-        <a:xfrm>
-          <a:off x="0" y="0"/>
-          <a:ext cx="0" cy="0"/>
-          <a:chOff x="0" y="0"/>
-          <a:chExt cx="0" cy="0"/>
-        </a:xfrm>
-      </p:grpSpPr>
-      <p:sp>
-        <p:nvSpPr>
-          <p:cNvPr id="2" name="Titre 1">
-            <a:extLst>
-              <a:ext uri="{FF2B5EF4-FFF2-40B4-BE49-F238E27FC236}">
-                <a16:creationId xmlns:a16="http://schemas.microsoft.com/office/drawing/2014/main" id="{6ECDF45B-AD9D-9F13-A658-FB510A59D398}"/>
-              </a:ext>
-            </a:extLst>
-          </p:cNvPr>
-          <p:cNvSpPr>
-            <a:spLocks noGrp="1"/>
-          </p:cNvSpPr>
-          <p:nvPr>
-            <p:ph type="title"/>
-          </p:nvPr>
-        </p:nvSpPr>
-        <p:spPr/>
-        <p:txBody>
-          <a:bodyPr/>
-          <a:lstStyle/>
-          <a:p>
-            <a:r>
-              <a:rPr lang="fr-FR" dirty="0"/>
-              <a:t>Garder </a:t>
-            </a:r>
-            <a:r>
-              <a:rPr lang="fr-FR" dirty="0" err="1"/>
-              <a:t>Hive</a:t>
-            </a:r>
-            <a:endParaRPr lang="fr-FR" dirty="0"/>
-          </a:p>
-        </p:txBody>
-      </p:sp>
-      <p:sp>
-        <p:nvSpPr>
-          <p:cNvPr id="3" name="Espace réservé du contenu 2">
-            <a:extLst>
-              <a:ext uri="{FF2B5EF4-FFF2-40B4-BE49-F238E27FC236}">
-                <a16:creationId xmlns:a16="http://schemas.microsoft.com/office/drawing/2014/main" id="{9C6B3F93-BA80-7467-E496-399E0344632C}"/>
-              </a:ext>
-            </a:extLst>
-          </p:cNvPr>
-          <p:cNvSpPr>
-            <a:spLocks noGrp="1"/>
-          </p:cNvSpPr>
-          <p:nvPr>
-            <p:ph idx="1"/>
-          </p:nvPr>
-        </p:nvSpPr>
-        <p:spPr/>
-        <p:txBody>
-          <a:bodyPr/>
-          <a:lstStyle/>
-          <a:p>
-            <a:r>
-              <a:rPr lang="fr-FR" dirty="0"/>
-              <a:t>https://hive.apache.org/</a:t>
-            </a:r>
-          </a:p>
-        </p:txBody>
-      </p:sp>
-    </p:spTree>
-    <p:extLst>
-      <p:ext uri="{BB962C8B-B14F-4D97-AF65-F5344CB8AC3E}">
-        <p14:creationId xmlns:p14="http://schemas.microsoft.com/office/powerpoint/2010/main" val="1965027252"/>
-      </p:ext>
-    </p:extLst>
-  </p:cSld>
-  <p:clrMapOvr>
-    <a:masterClrMapping/>
-  </p:clrMapOvr>
-</p:sld>
-</file>
-
-<file path=ppt/slides/slide21.xml><?xml version="1.0" encoding="utf-8"?>
-<p:sld xmlns:a="http://schemas.openxmlformats.org/drawingml/2006/main" xmlns:r="http://schemas.openxmlformats.org/officeDocument/2006/relationships" xmlns:p="http://schemas.openxmlformats.org/presentationml/2006/main">
-  <p:cSld>
-    <p:spTree>
-      <p:nvGrpSpPr>
-        <p:cNvPr id="1" name=""/>
-        <p:cNvGrpSpPr/>
-        <p:nvPr/>
-      </p:nvGrpSpPr>
-      <p:grpSpPr>
-        <a:xfrm>
-          <a:off x="0" y="0"/>
-          <a:ext cx="0" cy="0"/>
-          <a:chOff x="0" y="0"/>
-          <a:chExt cx="0" cy="0"/>
-        </a:xfrm>
-      </p:grpSpPr>
-      <p:sp>
-        <p:nvSpPr>
-          <p:cNvPr id="2" name="Titre 1"/>
-          <p:cNvSpPr>
-            <a:spLocks noGrp="1"/>
-          </p:cNvSpPr>
-          <p:nvPr>
-            <p:ph type="title"/>
-          </p:nvPr>
-        </p:nvSpPr>
-        <p:spPr/>
-        <p:txBody>
-          <a:bodyPr/>
-          <a:lstStyle/>
-          <a:p>
-            <a:r>
-              <a:rPr lang="fr-FR" dirty="0" err="1"/>
-              <a:t>Hive</a:t>
-            </a:r>
-            <a:endParaRPr lang="fr-FR" dirty="0"/>
-          </a:p>
-        </p:txBody>
-      </p:sp>
-      <p:sp>
-        <p:nvSpPr>
-          <p:cNvPr id="3" name="Espace réservé du contenu 2"/>
-          <p:cNvSpPr>
-            <a:spLocks noGrp="1"/>
-          </p:cNvSpPr>
-          <p:nvPr>
-            <p:ph idx="1"/>
-          </p:nvPr>
-        </p:nvSpPr>
-        <p:spPr/>
-        <p:txBody>
-          <a:bodyPr/>
-          <a:lstStyle/>
-          <a:p>
-            <a:r>
-              <a:rPr lang="fr-FR" dirty="0" err="1"/>
-              <a:t>HBase</a:t>
-            </a:r>
-            <a:endParaRPr lang="fr-FR" dirty="0"/>
-          </a:p>
-          <a:p>
-            <a:pPr lvl="1"/>
-            <a:r>
-              <a:rPr lang="fr-FR" dirty="0"/>
-              <a:t>Permet de stocker des données tabulaires</a:t>
-            </a:r>
-          </a:p>
-          <a:p>
-            <a:pPr lvl="1"/>
-            <a:r>
-              <a:rPr lang="fr-FR" dirty="0"/>
-              <a:t>Relationnel</a:t>
-            </a:r>
-          </a:p>
-          <a:p>
-            <a:pPr lvl="1"/>
-            <a:r>
-              <a:rPr lang="fr-FR" dirty="0"/>
-              <a:t>Non ACID</a:t>
-            </a:r>
-          </a:p>
-          <a:p>
-            <a:r>
-              <a:rPr lang="fr-FR" dirty="0" err="1"/>
-              <a:t>Hive</a:t>
-            </a:r>
-            <a:r>
-              <a:rPr lang="fr-FR" dirty="0"/>
-              <a:t> Permet de lire des tables relationnelles depuis </a:t>
-            </a:r>
-            <a:r>
-              <a:rPr lang="fr-FR" dirty="0" err="1"/>
-              <a:t>Hadoop</a:t>
-            </a:r>
-            <a:r>
-              <a:rPr lang="fr-FR" dirty="0"/>
-              <a:t> avec le format </a:t>
-            </a:r>
-            <a:r>
-              <a:rPr lang="fr-FR" dirty="0" err="1"/>
-              <a:t>Sql</a:t>
-            </a:r>
-            <a:endParaRPr lang="fr-FR" dirty="0"/>
-          </a:p>
-          <a:p>
-            <a:pPr lvl="1"/>
-            <a:r>
-              <a:rPr lang="fr-FR" dirty="0" err="1"/>
-              <a:t>HiveQL</a:t>
-            </a:r>
-            <a:endParaRPr lang="fr-FR" dirty="0"/>
-          </a:p>
-          <a:p>
-            <a:pPr marL="0" indent="0">
-              <a:buNone/>
-            </a:pPr>
-            <a:endParaRPr lang="fr-FR" dirty="0"/>
-          </a:p>
-        </p:txBody>
-      </p:sp>
-      <p:pic>
-        <p:nvPicPr>
-          <p:cNvPr id="4098" name="Picture 2" descr="Logo"/>
-          <p:cNvPicPr>
-            <a:picLocks noChangeAspect="1" noChangeArrowheads="1"/>
-          </p:cNvPicPr>
-          <p:nvPr/>
-        </p:nvPicPr>
-        <p:blipFill>
-          <a:blip r:embed="rId2" cstate="print">
-            <a:extLst>
-              <a:ext uri="{28A0092B-C50C-407E-A947-70E740481C1C}">
-                <a14:useLocalDpi xmlns:a14="http://schemas.microsoft.com/office/drawing/2010/main" val="0"/>
-              </a:ext>
-            </a:extLst>
-          </a:blip>
-          <a:srcRect/>
-          <a:stretch>
-            <a:fillRect/>
-          </a:stretch>
-        </p:blipFill>
-        <p:spPr bwMode="auto">
-          <a:xfrm>
-            <a:off x="3851920" y="-572705"/>
-            <a:ext cx="2184177" cy="1965760"/>
-          </a:xfrm>
-          <a:prstGeom prst="rect">
-            <a:avLst/>
-          </a:prstGeom>
-          <a:noFill/>
-          <a:extLst>
-            <a:ext uri="{909E8E84-426E-40DD-AFC4-6F175D3DCCD1}">
-              <a14:hiddenFill xmlns:a14="http://schemas.microsoft.com/office/drawing/2010/main">
-                <a:solidFill>
-                  <a:srgbClr val="FFFFFF"/>
-                </a:solidFill>
-              </a14:hiddenFill>
-            </a:ext>
-          </a:extLst>
-        </p:spPr>
-      </p:pic>
-    </p:spTree>
-    <p:extLst>
-      <p:ext uri="{BB962C8B-B14F-4D97-AF65-F5344CB8AC3E}">
-        <p14:creationId xmlns:p14="http://schemas.microsoft.com/office/powerpoint/2010/main" val="2719812352"/>
-      </p:ext>
-    </p:extLst>
-  </p:cSld>
-  <p:clrMapOvr>
-    <a:masterClrMapping/>
-  </p:clrMapOvr>
-</p:sld>
-</file>
-
-<file path=ppt/slides/slide22.xml><?xml version="1.0" encoding="utf-8"?>
-<p:sld xmlns:a="http://schemas.openxmlformats.org/drawingml/2006/main" xmlns:r="http://schemas.openxmlformats.org/officeDocument/2006/relationships" xmlns:p="http://schemas.openxmlformats.org/presentationml/2006/main">
-  <p:cSld>
-    <p:spTree>
-      <p:nvGrpSpPr>
-        <p:cNvPr id="1" name=""/>
-        <p:cNvGrpSpPr/>
-        <p:nvPr/>
-      </p:nvGrpSpPr>
-      <p:grpSpPr>
-        <a:xfrm>
-          <a:off x="0" y="0"/>
-          <a:ext cx="0" cy="0"/>
-          <a:chOff x="0" y="0"/>
-          <a:chExt cx="0" cy="0"/>
-        </a:xfrm>
-      </p:grpSpPr>
-      <p:sp>
-        <p:nvSpPr>
-          <p:cNvPr id="2" name="Titre 1"/>
-          <p:cNvSpPr>
-            <a:spLocks noGrp="1"/>
-          </p:cNvSpPr>
-          <p:nvPr>
-            <p:ph type="title"/>
-          </p:nvPr>
-        </p:nvSpPr>
-        <p:spPr/>
-        <p:txBody>
-          <a:bodyPr/>
-          <a:lstStyle/>
-          <a:p>
-            <a:r>
-              <a:rPr lang="fr-FR" dirty="0"/>
-              <a:t>Hue</a:t>
-            </a:r>
-          </a:p>
-        </p:txBody>
-      </p:sp>
-      <p:sp>
-        <p:nvSpPr>
-          <p:cNvPr id="3" name="Espace réservé du contenu 2"/>
-          <p:cNvSpPr>
-            <a:spLocks noGrp="1"/>
-          </p:cNvSpPr>
-          <p:nvPr>
-            <p:ph idx="1"/>
-          </p:nvPr>
-        </p:nvSpPr>
-        <p:spPr/>
-        <p:txBody>
-          <a:bodyPr/>
-          <a:lstStyle/>
-          <a:p>
-            <a:r>
-              <a:rPr lang="fr-FR" dirty="0"/>
-              <a:t>Hue est une interface graphique pour </a:t>
-            </a:r>
-            <a:r>
-              <a:rPr lang="fr-FR" dirty="0" err="1"/>
-              <a:t>Hive</a:t>
-            </a:r>
-            <a:endParaRPr lang="fr-FR" dirty="0"/>
-          </a:p>
-          <a:p>
-            <a:r>
-              <a:rPr lang="fr-FR" dirty="0"/>
-              <a:t>Compatible Impala et </a:t>
-            </a:r>
-            <a:r>
-              <a:rPr lang="fr-FR" dirty="0" err="1"/>
-              <a:t>Hive</a:t>
-            </a:r>
-            <a:endParaRPr lang="fr-FR" dirty="0"/>
-          </a:p>
-        </p:txBody>
-      </p:sp>
-      <p:pic>
-        <p:nvPicPr>
-          <p:cNvPr id="5122" name="Picture 2" descr="Screen shot of Impala Query Editor being selected"/>
-          <p:cNvPicPr>
-            <a:picLocks noChangeAspect="1" noChangeArrowheads="1"/>
-          </p:cNvPicPr>
-          <p:nvPr/>
-        </p:nvPicPr>
-        <p:blipFill>
-          <a:blip r:embed="rId2">
-            <a:extLst>
-              <a:ext uri="{28A0092B-C50C-407E-A947-70E740481C1C}">
-                <a14:useLocalDpi xmlns:a14="http://schemas.microsoft.com/office/drawing/2010/main" val="0"/>
-              </a:ext>
-            </a:extLst>
-          </a:blip>
-          <a:srcRect/>
-          <a:stretch>
-            <a:fillRect/>
-          </a:stretch>
-        </p:blipFill>
-        <p:spPr bwMode="auto">
-          <a:xfrm>
-            <a:off x="755576" y="2420888"/>
-            <a:ext cx="8856984" cy="5201064"/>
-          </a:xfrm>
-          <a:prstGeom prst="rect">
-            <a:avLst/>
-          </a:prstGeom>
-          <a:noFill/>
-          <a:extLst>
-            <a:ext uri="{909E8E84-426E-40DD-AFC4-6F175D3DCCD1}">
-              <a14:hiddenFill xmlns:a14="http://schemas.microsoft.com/office/drawing/2010/main">
-                <a:solidFill>
-                  <a:srgbClr val="FFFFFF"/>
-                </a:solidFill>
-              </a14:hiddenFill>
-            </a:ext>
-          </a:extLst>
-        </p:spPr>
-      </p:pic>
-    </p:spTree>
-    <p:extLst>
-      <p:ext uri="{BB962C8B-B14F-4D97-AF65-F5344CB8AC3E}">
-        <p14:creationId xmlns:p14="http://schemas.microsoft.com/office/powerpoint/2010/main" val="4093451056"/>
-      </p:ext>
-    </p:extLst>
-  </p:cSld>
-  <p:clrMapOvr>
-    <a:masterClrMapping/>
-  </p:clrMapOvr>
-</p:sld>
-</file>
-
-<file path=ppt/slides/slide23.xml><?xml version="1.0" encoding="utf-8"?>
-<p:sld xmlns:a="http://schemas.openxmlformats.org/drawingml/2006/main" xmlns:r="http://schemas.openxmlformats.org/officeDocument/2006/relationships" xmlns:p="http://schemas.openxmlformats.org/presentationml/2006/main">
-  <p:cSld>
-    <p:spTree>
-      <p:nvGrpSpPr>
-        <p:cNvPr id="1" name=""/>
-        <p:cNvGrpSpPr/>
-        <p:nvPr/>
-      </p:nvGrpSpPr>
-      <p:grpSpPr>
-        <a:xfrm>
-          <a:off x="0" y="0"/>
-          <a:ext cx="0" cy="0"/>
-          <a:chOff x="0" y="0"/>
-          <a:chExt cx="0" cy="0"/>
-        </a:xfrm>
-      </p:grpSpPr>
-      <p:sp>
-        <p:nvSpPr>
-          <p:cNvPr id="2" name="Titre 1"/>
-          <p:cNvSpPr>
-            <a:spLocks noGrp="1"/>
-          </p:cNvSpPr>
-          <p:nvPr>
-            <p:ph type="title"/>
-          </p:nvPr>
-        </p:nvSpPr>
-        <p:spPr/>
-        <p:txBody>
-          <a:bodyPr/>
-          <a:lstStyle/>
-          <a:p>
-            <a:r>
-              <a:rPr lang="fr-FR" dirty="0"/>
-              <a:t>Ma 1</a:t>
-            </a:r>
-            <a:r>
-              <a:rPr lang="fr-FR" baseline="30000" dirty="0"/>
-              <a:t>ère</a:t>
-            </a:r>
-            <a:r>
-              <a:rPr lang="fr-FR" dirty="0"/>
-              <a:t> requête</a:t>
-            </a:r>
-          </a:p>
-        </p:txBody>
-      </p:sp>
-      <p:pic>
-        <p:nvPicPr>
-          <p:cNvPr id="7170" name="Picture 2" descr="Screen shot of table list"/>
-          <p:cNvPicPr>
-            <a:picLocks noChangeAspect="1" noChangeArrowheads="1"/>
-          </p:cNvPicPr>
-          <p:nvPr/>
-        </p:nvPicPr>
-        <p:blipFill>
-          <a:blip r:embed="rId2">
-            <a:extLst>
-              <a:ext uri="{28A0092B-C50C-407E-A947-70E740481C1C}">
-                <a14:useLocalDpi xmlns:a14="http://schemas.microsoft.com/office/drawing/2010/main" val="0"/>
-              </a:ext>
-            </a:extLst>
-          </a:blip>
-          <a:srcRect/>
-          <a:stretch>
-            <a:fillRect/>
-          </a:stretch>
-        </p:blipFill>
-        <p:spPr bwMode="auto">
-          <a:xfrm>
-            <a:off x="0" y="908720"/>
-            <a:ext cx="10131133" cy="5949280"/>
-          </a:xfrm>
-          <a:prstGeom prst="rect">
-            <a:avLst/>
-          </a:prstGeom>
-          <a:noFill/>
-          <a:extLst>
-            <a:ext uri="{909E8E84-426E-40DD-AFC4-6F175D3DCCD1}">
-              <a14:hiddenFill xmlns:a14="http://schemas.microsoft.com/office/drawing/2010/main">
-                <a:solidFill>
-                  <a:srgbClr val="FFFFFF"/>
-                </a:solidFill>
-              </a14:hiddenFill>
-            </a:ext>
-          </a:extLst>
-        </p:spPr>
-      </p:pic>
-    </p:spTree>
-    <p:extLst>
-      <p:ext uri="{BB962C8B-B14F-4D97-AF65-F5344CB8AC3E}">
-        <p14:creationId xmlns:p14="http://schemas.microsoft.com/office/powerpoint/2010/main" val="3275460355"/>
-      </p:ext>
-    </p:extLst>
-  </p:cSld>
-  <p:clrMapOvr>
-    <a:masterClrMapping/>
-  </p:clrMapOvr>
-</p:sld>
-</file>
-
-<file path=ppt/slides/slide24.xml><?xml version="1.0" encoding="utf-8"?>
-<p:sld xmlns:a="http://schemas.openxmlformats.org/drawingml/2006/main" xmlns:r="http://schemas.openxmlformats.org/officeDocument/2006/relationships" xmlns:p="http://schemas.openxmlformats.org/presentationml/2006/main">
-  <p:cSld>
-    <p:spTree>
-      <p:nvGrpSpPr>
-        <p:cNvPr id="1" name=""/>
-        <p:cNvGrpSpPr/>
-        <p:nvPr/>
-      </p:nvGrpSpPr>
-      <p:grpSpPr>
-        <a:xfrm>
-          <a:off x="0" y="0"/>
-          <a:ext cx="0" cy="0"/>
-          <a:chOff x="0" y="0"/>
-          <a:chExt cx="0" cy="0"/>
-        </a:xfrm>
-      </p:grpSpPr>
-      <p:sp>
-        <p:nvSpPr>
-          <p:cNvPr id="2" name="Titre 1"/>
-          <p:cNvSpPr>
-            <a:spLocks noGrp="1"/>
-          </p:cNvSpPr>
-          <p:nvPr>
-            <p:ph type="title"/>
-          </p:nvPr>
-        </p:nvSpPr>
-        <p:spPr/>
-        <p:txBody>
-          <a:bodyPr/>
-          <a:lstStyle/>
-          <a:p>
-            <a:r>
-              <a:rPr lang="fr-FR" dirty="0"/>
-              <a:t>Requête complexe</a:t>
-            </a:r>
-          </a:p>
-        </p:txBody>
-      </p:sp>
-      <p:pic>
-        <p:nvPicPr>
-          <p:cNvPr id="8194" name="Picture 2" descr="Screen shot of 10 most popular product categories"/>
-          <p:cNvPicPr>
-            <a:picLocks noChangeAspect="1" noChangeArrowheads="1"/>
-          </p:cNvPicPr>
-          <p:nvPr/>
-        </p:nvPicPr>
-        <p:blipFill>
-          <a:blip r:embed="rId2">
-            <a:extLst>
-              <a:ext uri="{28A0092B-C50C-407E-A947-70E740481C1C}">
-                <a14:useLocalDpi xmlns:a14="http://schemas.microsoft.com/office/drawing/2010/main" val="0"/>
-              </a:ext>
-            </a:extLst>
-          </a:blip>
-          <a:srcRect/>
-          <a:stretch>
-            <a:fillRect/>
-          </a:stretch>
-        </p:blipFill>
-        <p:spPr bwMode="auto">
-          <a:xfrm>
-            <a:off x="0" y="980728"/>
-            <a:ext cx="10008510" cy="5877272"/>
-          </a:xfrm>
-          <a:prstGeom prst="rect">
-            <a:avLst/>
-          </a:prstGeom>
-          <a:noFill/>
-          <a:extLst>
-            <a:ext uri="{909E8E84-426E-40DD-AFC4-6F175D3DCCD1}">
-              <a14:hiddenFill xmlns:a14="http://schemas.microsoft.com/office/drawing/2010/main">
-                <a:solidFill>
-                  <a:srgbClr val="FFFFFF"/>
-                </a:solidFill>
-              </a14:hiddenFill>
-            </a:ext>
-          </a:extLst>
-        </p:spPr>
-      </p:pic>
-    </p:spTree>
-    <p:extLst>
-      <p:ext uri="{BB962C8B-B14F-4D97-AF65-F5344CB8AC3E}">
-        <p14:creationId xmlns:p14="http://schemas.microsoft.com/office/powerpoint/2010/main" val="3932175544"/>
-      </p:ext>
-    </p:extLst>
-  </p:cSld>
-  <p:clrMapOvr>
-    <a:masterClrMapping/>
-  </p:clrMapOvr>
-</p:sld>
-</file>
-
-<file path=ppt/slides/slide25.xml><?xml version="1.0" encoding="utf-8"?>
-<p:sld xmlns:a="http://schemas.openxmlformats.org/drawingml/2006/main" xmlns:r="http://schemas.openxmlformats.org/officeDocument/2006/relationships" xmlns:p="http://schemas.openxmlformats.org/presentationml/2006/main">
-  <p:cSld>
-    <p:spTree>
-      <p:nvGrpSpPr>
-        <p:cNvPr id="1" name=""/>
-        <p:cNvGrpSpPr/>
-        <p:nvPr/>
-      </p:nvGrpSpPr>
-      <p:grpSpPr>
-        <a:xfrm>
-          <a:off x="0" y="0"/>
-          <a:ext cx="0" cy="0"/>
-          <a:chOff x="0" y="0"/>
-          <a:chExt cx="0" cy="0"/>
-        </a:xfrm>
-      </p:grpSpPr>
-      <p:sp>
-        <p:nvSpPr>
-          <p:cNvPr id="41" name="Rectangle à coins arrondis 40"/>
-          <p:cNvSpPr/>
-          <p:nvPr/>
-        </p:nvSpPr>
-        <p:spPr>
-          <a:xfrm>
-            <a:off x="1265175" y="2745440"/>
-            <a:ext cx="5076584" cy="2123719"/>
-          </a:xfrm>
-          <a:prstGeom prst="roundRect">
-            <a:avLst>
-              <a:gd name="adj" fmla="val 5538"/>
-            </a:avLst>
-          </a:prstGeom>
-          <a:solidFill>
-            <a:schemeClr val="bg1"/>
-          </a:solidFill>
-          <a:ln>
-            <a:solidFill>
-              <a:schemeClr val="bg2">
-                <a:lumMod val="75000"/>
-              </a:schemeClr>
-            </a:solidFill>
-          </a:ln>
-          <a:effectLst>
-            <a:outerShdw blurRad="50800" dist="38100" dir="2700000" algn="tl" rotWithShape="0">
-              <a:prstClr val="black">
-                <a:alpha val="40000"/>
-              </a:prstClr>
-            </a:outerShdw>
-          </a:effectLst>
-        </p:spPr>
-        <p:style>
-          <a:lnRef idx="2">
-            <a:schemeClr val="accent1">
-              <a:shade val="50000"/>
-            </a:schemeClr>
-          </a:lnRef>
-          <a:fillRef idx="1">
-            <a:schemeClr val="accent1"/>
-          </a:fillRef>
-          <a:effectRef idx="0">
-            <a:schemeClr val="accent1"/>
-          </a:effectRef>
-          <a:fontRef idx="minor">
-            <a:schemeClr val="lt1"/>
-          </a:fontRef>
-        </p:style>
-        <p:txBody>
-          <a:bodyPr rtlCol="0" anchor="ctr"/>
-          <a:lstStyle/>
-          <a:p>
-            <a:pPr algn="ctr"/>
-            <a:endParaRPr lang="fr-FR" sz="1800" dirty="0"/>
-          </a:p>
-        </p:txBody>
-      </p:sp>
-      <p:sp>
-        <p:nvSpPr>
-          <p:cNvPr id="47" name="Titre 46"/>
-          <p:cNvSpPr>
-            <a:spLocks noGrp="1"/>
-          </p:cNvSpPr>
-          <p:nvPr>
-            <p:ph type="title"/>
-          </p:nvPr>
-        </p:nvSpPr>
-        <p:spPr/>
-        <p:txBody>
-          <a:bodyPr/>
-          <a:lstStyle/>
-          <a:p>
-            <a:r>
-              <a:rPr lang="fr-FR" sz="1500" dirty="0">
-                <a:latin typeface="+mn-lt"/>
-              </a:rPr>
-              <a:t>Apache Spark – fiche d’identité</a:t>
-            </a:r>
-          </a:p>
-        </p:txBody>
-      </p:sp>
-      <p:sp>
-        <p:nvSpPr>
-          <p:cNvPr id="50" name="Espace réservé du texte 11"/>
-          <p:cNvSpPr txBox="1">
-            <a:spLocks/>
-          </p:cNvSpPr>
-          <p:nvPr/>
-        </p:nvSpPr>
-        <p:spPr>
-          <a:xfrm>
-            <a:off x="6593482" y="1953938"/>
-            <a:ext cx="2455916" cy="3888969"/>
-          </a:xfrm>
-          <a:prstGeom prst="rect">
-            <a:avLst/>
-          </a:prstGeom>
-        </p:spPr>
-        <p:txBody>
-          <a:bodyPr vert="horz" lIns="68580" tIns="34290" rIns="68580" bIns="34290" rtlCol="0" anchor="t">
-            <a:normAutofit/>
-          </a:bodyPr>
-          <a:lstStyle>
-            <a:defPPr>
-              <a:defRPr lang="fr-FR"/>
-            </a:defPPr>
-            <a:lvl1pPr marL="0" algn="ctr" defTabSz="914400" rtl="0" eaLnBrk="1" latinLnBrk="0" hangingPunct="1">
-              <a:defRPr sz="1050" kern="1200">
-                <a:solidFill>
-                  <a:schemeClr val="bg2">
-                    <a:lumMod val="25000"/>
-                  </a:schemeClr>
-                </a:solidFill>
-                <a:latin typeface="+mn-lt"/>
-                <a:ea typeface="+mn-ea"/>
-                <a:cs typeface="+mn-cs"/>
-              </a:defRPr>
-            </a:lvl1pPr>
-            <a:lvl2pPr marL="457200" indent="0" algn="l" defTabSz="914400" rtl="0" eaLnBrk="1" latinLnBrk="0" hangingPunct="1">
-              <a:buNone/>
-              <a:defRPr sz="1800" kern="1200">
-                <a:solidFill>
-                  <a:schemeClr val="tx1"/>
-                </a:solidFill>
-                <a:latin typeface="+mn-lt"/>
-                <a:ea typeface="+mn-ea"/>
-                <a:cs typeface="+mn-cs"/>
-              </a:defRPr>
-            </a:lvl2pPr>
-            <a:lvl3pPr marL="914400" algn="l" defTabSz="914400" rtl="0" eaLnBrk="1" latinLnBrk="0" hangingPunct="1">
-              <a:defRPr sz="1800" kern="1200">
-                <a:solidFill>
-                  <a:schemeClr val="tx1"/>
-                </a:solidFill>
-                <a:latin typeface="+mn-lt"/>
-                <a:ea typeface="+mn-ea"/>
-                <a:cs typeface="+mn-cs"/>
-              </a:defRPr>
-            </a:lvl3pPr>
-            <a:lvl4pPr marL="1371600" algn="l" defTabSz="914400" rtl="0" eaLnBrk="1" latinLnBrk="0" hangingPunct="1">
-              <a:defRPr sz="1800" kern="1200">
-                <a:solidFill>
-                  <a:schemeClr val="tx1"/>
-                </a:solidFill>
-                <a:latin typeface="+mn-lt"/>
-                <a:ea typeface="+mn-ea"/>
-                <a:cs typeface="+mn-cs"/>
-              </a:defRPr>
-            </a:lvl4pPr>
-            <a:lvl5pPr marL="1828800" algn="l" defTabSz="914400" rtl="0" eaLnBrk="1" latinLnBrk="0" hangingPunct="1">
-              <a:defRPr sz="1800" kern="1200">
-                <a:solidFill>
-                  <a:schemeClr val="tx1"/>
-                </a:solidFill>
-                <a:latin typeface="+mn-lt"/>
-                <a:ea typeface="+mn-ea"/>
-                <a:cs typeface="+mn-cs"/>
-              </a:defRPr>
-            </a:lvl5pPr>
-            <a:lvl6pPr marL="2286000" algn="l" defTabSz="914400" rtl="0" eaLnBrk="1" latinLnBrk="0" hangingPunct="1">
-              <a:defRPr sz="1800" kern="1200">
-                <a:solidFill>
-                  <a:schemeClr val="tx1"/>
-                </a:solidFill>
-                <a:latin typeface="+mn-lt"/>
-                <a:ea typeface="+mn-ea"/>
-                <a:cs typeface="+mn-cs"/>
-              </a:defRPr>
-            </a:lvl6pPr>
-            <a:lvl7pPr marL="2743200" algn="l" defTabSz="914400" rtl="0" eaLnBrk="1" latinLnBrk="0" hangingPunct="1">
-              <a:defRPr sz="1800" kern="1200">
-                <a:solidFill>
-                  <a:schemeClr val="tx1"/>
-                </a:solidFill>
-                <a:latin typeface="+mn-lt"/>
-                <a:ea typeface="+mn-ea"/>
-                <a:cs typeface="+mn-cs"/>
-              </a:defRPr>
-            </a:lvl7pPr>
-            <a:lvl8pPr marL="3200400" algn="l" defTabSz="914400" rtl="0" eaLnBrk="1" latinLnBrk="0" hangingPunct="1">
-              <a:defRPr sz="1800" kern="1200">
-                <a:solidFill>
-                  <a:schemeClr val="tx1"/>
-                </a:solidFill>
-                <a:latin typeface="+mn-lt"/>
-                <a:ea typeface="+mn-ea"/>
-                <a:cs typeface="+mn-cs"/>
-              </a:defRPr>
-            </a:lvl8pPr>
-            <a:lvl9pPr marL="3657600" algn="l" defTabSz="914400" rtl="0" eaLnBrk="1" latinLnBrk="0" hangingPunct="1">
-              <a:defRPr sz="1800" kern="1200">
-                <a:solidFill>
-                  <a:schemeClr val="tx1"/>
-                </a:solidFill>
-                <a:latin typeface="+mn-lt"/>
-                <a:ea typeface="+mn-ea"/>
-                <a:cs typeface="+mn-cs"/>
-              </a:defRPr>
-            </a:lvl9pPr>
-          </a:lstStyle>
-          <a:p>
-            <a:pPr marL="214313" indent="-214313" algn="l">
-              <a:buFont typeface="Arial" panose="020B0604020202020204" pitchFamily="34" charset="0"/>
-              <a:buChar char="•"/>
-            </a:pPr>
-            <a:endParaRPr lang="fr-FR" dirty="0">
-              <a:solidFill>
-                <a:schemeClr val="bg1"/>
-              </a:solidFill>
-            </a:endParaRPr>
-          </a:p>
-        </p:txBody>
-      </p:sp>
-      <p:sp>
-        <p:nvSpPr>
-          <p:cNvPr id="51" name="ZoneTexte 50"/>
-          <p:cNvSpPr txBox="1"/>
-          <p:nvPr/>
-        </p:nvSpPr>
-        <p:spPr>
-          <a:xfrm>
-            <a:off x="6553404" y="1460730"/>
-            <a:ext cx="2495994" cy="577081"/>
-          </a:xfrm>
-          <a:prstGeom prst="rect">
-            <a:avLst/>
-          </a:prstGeom>
-          <a:noFill/>
-        </p:spPr>
-        <p:txBody>
-          <a:bodyPr wrap="square" rtlCol="0">
-            <a:spAutoFit/>
-          </a:bodyPr>
-          <a:lstStyle/>
-          <a:p>
-            <a:r>
-              <a:rPr lang="fr-FR" sz="1050" b="1" dirty="0">
-                <a:solidFill>
-                  <a:schemeClr val="bg1"/>
-                </a:solidFill>
-                <a:latin typeface="Calibri" panose="020F0502020204030204" pitchFamily="34" charset="0"/>
-              </a:rPr>
-              <a:t>Notes pour la mise en œuvre (explication animation, images, effets…) :</a:t>
-            </a:r>
-          </a:p>
-          <a:p>
-            <a:pPr marL="214313" indent="-214313">
-              <a:buFontTx/>
-              <a:buChar char="-"/>
-            </a:pPr>
-            <a:endParaRPr lang="fr-FR" sz="1050" dirty="0">
-              <a:solidFill>
-                <a:schemeClr val="bg1"/>
-              </a:solidFill>
-              <a:latin typeface="Calibri" panose="020F0502020204030204" pitchFamily="34" charset="0"/>
-            </a:endParaRPr>
-          </a:p>
-        </p:txBody>
-      </p:sp>
-      <p:grpSp>
-        <p:nvGrpSpPr>
-          <p:cNvPr id="105" name="Groupe 104"/>
-          <p:cNvGrpSpPr/>
-          <p:nvPr/>
-        </p:nvGrpSpPr>
-        <p:grpSpPr>
-          <a:xfrm>
-            <a:off x="559081" y="1597264"/>
-            <a:ext cx="5299520" cy="414060"/>
-            <a:chOff x="2691257" y="529120"/>
-            <a:chExt cx="7066026" cy="552080"/>
-          </a:xfrm>
-        </p:grpSpPr>
-        <p:sp>
-          <p:nvSpPr>
-            <p:cNvPr id="106" name="Pentagone 105"/>
-            <p:cNvSpPr/>
-            <p:nvPr/>
-          </p:nvSpPr>
-          <p:spPr>
-            <a:xfrm>
-              <a:off x="2691257" y="667723"/>
-              <a:ext cx="7066026" cy="288000"/>
-            </a:xfrm>
-            <a:prstGeom prst="homePlate">
-              <a:avLst/>
-            </a:prstGeom>
-            <a:solidFill>
-              <a:schemeClr val="accent6">
-                <a:lumMod val="60000"/>
-                <a:lumOff val="40000"/>
-              </a:schemeClr>
-            </a:solidFill>
-            <a:ln>
-              <a:noFill/>
-            </a:ln>
-          </p:spPr>
-          <p:style>
-            <a:lnRef idx="2">
-              <a:schemeClr val="accent1">
-                <a:shade val="50000"/>
-              </a:schemeClr>
-            </a:lnRef>
-            <a:fillRef idx="1">
-              <a:schemeClr val="accent1"/>
-            </a:fillRef>
-            <a:effectRef idx="0">
-              <a:schemeClr val="accent1"/>
-            </a:effectRef>
-            <a:fontRef idx="minor">
-              <a:schemeClr val="lt1"/>
-            </a:fontRef>
-          </p:style>
-          <p:txBody>
-            <a:bodyPr rtlCol="0" anchor="ctr"/>
-            <a:lstStyle/>
-            <a:p>
-              <a:pPr algn="ctr"/>
-              <a:endParaRPr lang="fr-FR" sz="1800" dirty="0"/>
-            </a:p>
-          </p:txBody>
-        </p:sp>
-        <p:sp>
-          <p:nvSpPr>
-            <p:cNvPr id="123" name="Ellipse 122"/>
-            <p:cNvSpPr/>
-            <p:nvPr/>
-          </p:nvSpPr>
-          <p:spPr>
-            <a:xfrm>
-              <a:off x="5381632" y="529121"/>
-              <a:ext cx="551453" cy="549030"/>
-            </a:xfrm>
-            <a:prstGeom prst="ellipse">
-              <a:avLst/>
-            </a:prstGeom>
-            <a:solidFill>
-              <a:schemeClr val="accent6"/>
-            </a:solidFill>
-            <a:ln>
-              <a:solidFill>
-                <a:schemeClr val="accent6">
-                  <a:lumMod val="60000"/>
-                  <a:lumOff val="40000"/>
-                </a:schemeClr>
-              </a:solidFill>
-            </a:ln>
-          </p:spPr>
-          <p:style>
-            <a:lnRef idx="2">
-              <a:schemeClr val="accent1">
-                <a:shade val="50000"/>
-              </a:schemeClr>
-            </a:lnRef>
-            <a:fillRef idx="1">
-              <a:schemeClr val="accent1"/>
-            </a:fillRef>
-            <a:effectRef idx="0">
-              <a:schemeClr val="accent1"/>
-            </a:effectRef>
-            <a:fontRef idx="minor">
-              <a:schemeClr val="lt1"/>
-            </a:fontRef>
-          </p:style>
-          <p:txBody>
-            <a:bodyPr rtlCol="0" anchor="ctr"/>
-            <a:lstStyle/>
-            <a:p>
-              <a:pPr algn="ctr"/>
-              <a:endParaRPr lang="fr-FR" sz="1800" dirty="0"/>
-            </a:p>
-          </p:txBody>
-        </p:sp>
-        <p:sp>
-          <p:nvSpPr>
-            <p:cNvPr id="121" name="Ellipse 120"/>
-            <p:cNvSpPr/>
-            <p:nvPr/>
-          </p:nvSpPr>
-          <p:spPr>
-            <a:xfrm>
-              <a:off x="4264756" y="529120"/>
-              <a:ext cx="551453" cy="549030"/>
-            </a:xfrm>
-            <a:prstGeom prst="ellipse">
-              <a:avLst/>
-            </a:prstGeom>
-            <a:solidFill>
-              <a:schemeClr val="bg1"/>
-            </a:solidFill>
-            <a:ln>
-              <a:solidFill>
-                <a:schemeClr val="accent6">
-                  <a:lumMod val="60000"/>
-                  <a:lumOff val="40000"/>
-                </a:schemeClr>
-              </a:solidFill>
-            </a:ln>
-          </p:spPr>
-          <p:style>
-            <a:lnRef idx="2">
-              <a:schemeClr val="accent1">
-                <a:shade val="50000"/>
-              </a:schemeClr>
-            </a:lnRef>
-            <a:fillRef idx="1">
-              <a:schemeClr val="accent1"/>
-            </a:fillRef>
-            <a:effectRef idx="0">
-              <a:schemeClr val="accent1"/>
-            </a:effectRef>
-            <a:fontRef idx="minor">
-              <a:schemeClr val="lt1"/>
-            </a:fontRef>
-          </p:style>
-          <p:txBody>
-            <a:bodyPr rtlCol="0" anchor="ctr"/>
-            <a:lstStyle/>
-            <a:p>
-              <a:pPr algn="ctr"/>
-              <a:endParaRPr lang="fr-FR" sz="1800" dirty="0"/>
-            </a:p>
-          </p:txBody>
-        </p:sp>
-        <p:sp>
-          <p:nvSpPr>
-            <p:cNvPr id="119" name="Ellipse 118"/>
-            <p:cNvSpPr/>
-            <p:nvPr/>
-          </p:nvSpPr>
-          <p:spPr>
-            <a:xfrm>
-              <a:off x="3147880" y="529120"/>
-              <a:ext cx="551453" cy="549030"/>
-            </a:xfrm>
-            <a:prstGeom prst="ellipse">
-              <a:avLst/>
-            </a:prstGeom>
-            <a:solidFill>
-              <a:schemeClr val="bg1"/>
-            </a:solidFill>
-            <a:ln>
-              <a:solidFill>
-                <a:schemeClr val="accent6">
-                  <a:lumMod val="60000"/>
-                  <a:lumOff val="40000"/>
-                </a:schemeClr>
-              </a:solidFill>
-            </a:ln>
-          </p:spPr>
-          <p:style>
-            <a:lnRef idx="2">
-              <a:schemeClr val="accent1">
-                <a:shade val="50000"/>
-              </a:schemeClr>
-            </a:lnRef>
-            <a:fillRef idx="1">
-              <a:schemeClr val="accent1"/>
-            </a:fillRef>
-            <a:effectRef idx="0">
-              <a:schemeClr val="accent1"/>
-            </a:effectRef>
-            <a:fontRef idx="minor">
-              <a:schemeClr val="lt1"/>
-            </a:fontRef>
-          </p:style>
-          <p:txBody>
-            <a:bodyPr rtlCol="0" anchor="ctr"/>
-            <a:lstStyle/>
-            <a:p>
-              <a:pPr algn="ctr"/>
-              <a:endParaRPr lang="fr-FR" sz="1800" dirty="0"/>
-            </a:p>
-          </p:txBody>
-        </p:sp>
-        <p:sp>
-          <p:nvSpPr>
-            <p:cNvPr id="117" name="Ellipse 116"/>
-            <p:cNvSpPr/>
-            <p:nvPr/>
-          </p:nvSpPr>
-          <p:spPr>
-            <a:xfrm>
-              <a:off x="6498508" y="529122"/>
-              <a:ext cx="551453" cy="549030"/>
-            </a:xfrm>
-            <a:prstGeom prst="ellipse">
-              <a:avLst/>
-            </a:prstGeom>
-            <a:solidFill>
-              <a:schemeClr val="bg1"/>
-            </a:solidFill>
-            <a:ln>
-              <a:solidFill>
-                <a:schemeClr val="accent6">
-                  <a:lumMod val="60000"/>
-                  <a:lumOff val="40000"/>
-                </a:schemeClr>
-              </a:solidFill>
-            </a:ln>
-          </p:spPr>
-          <p:style>
-            <a:lnRef idx="2">
-              <a:schemeClr val="accent1">
-                <a:shade val="50000"/>
-              </a:schemeClr>
-            </a:lnRef>
-            <a:fillRef idx="1">
-              <a:schemeClr val="accent1"/>
-            </a:fillRef>
-            <a:effectRef idx="0">
-              <a:schemeClr val="accent1"/>
-            </a:effectRef>
-            <a:fontRef idx="minor">
-              <a:schemeClr val="lt1"/>
-            </a:fontRef>
-          </p:style>
-          <p:txBody>
-            <a:bodyPr rtlCol="0" anchor="ctr"/>
-            <a:lstStyle/>
-            <a:p>
-              <a:pPr algn="ctr"/>
-              <a:endParaRPr lang="fr-FR" sz="1800" dirty="0"/>
-            </a:p>
-          </p:txBody>
-        </p:sp>
-        <p:grpSp>
-          <p:nvGrpSpPr>
-            <p:cNvPr id="111" name="Groupe 110"/>
-            <p:cNvGrpSpPr/>
-            <p:nvPr/>
-          </p:nvGrpSpPr>
-          <p:grpSpPr>
-            <a:xfrm>
-              <a:off x="8732261" y="529120"/>
-              <a:ext cx="551453" cy="549030"/>
-              <a:chOff x="9401004" y="529120"/>
-              <a:chExt cx="551453" cy="549030"/>
-            </a:xfrm>
-          </p:grpSpPr>
-          <p:sp>
-            <p:nvSpPr>
-              <p:cNvPr id="115" name="Ellipse 114"/>
-              <p:cNvSpPr/>
-              <p:nvPr/>
-            </p:nvSpPr>
-            <p:spPr>
-              <a:xfrm>
-                <a:off x="9401004" y="529120"/>
-                <a:ext cx="551453" cy="549030"/>
-              </a:xfrm>
-              <a:prstGeom prst="ellipse">
-                <a:avLst/>
-              </a:prstGeom>
-              <a:solidFill>
-                <a:schemeClr val="bg1"/>
-              </a:solidFill>
-              <a:ln>
-                <a:solidFill>
-                  <a:schemeClr val="accent6">
-                    <a:lumMod val="60000"/>
-                    <a:lumOff val="40000"/>
-                  </a:schemeClr>
-                </a:solidFill>
-              </a:ln>
-            </p:spPr>
-            <p:style>
-              <a:lnRef idx="2">
-                <a:schemeClr val="accent1">
-                  <a:shade val="50000"/>
-                </a:schemeClr>
-              </a:lnRef>
-              <a:fillRef idx="1">
-                <a:schemeClr val="accent1"/>
-              </a:fillRef>
-              <a:effectRef idx="0">
-                <a:schemeClr val="accent1"/>
-              </a:effectRef>
-              <a:fontRef idx="minor">
-                <a:schemeClr val="lt1"/>
-              </a:fontRef>
-            </p:style>
-            <p:txBody>
-              <a:bodyPr rtlCol="0" anchor="ctr"/>
-              <a:lstStyle/>
-              <a:p>
-                <a:pPr algn="ctr"/>
-                <a:endParaRPr lang="fr-FR" sz="1800" dirty="0"/>
-              </a:p>
-            </p:txBody>
-          </p:sp>
-          <p:pic>
-            <p:nvPicPr>
-              <p:cNvPr id="116" name="Image 115"/>
-              <p:cNvPicPr>
-                <a:picLocks noChangeAspect="1"/>
-              </p:cNvPicPr>
-              <p:nvPr/>
-            </p:nvPicPr>
-            <p:blipFill>
-              <a:blip r:embed="rId2" cstate="print">
-                <a:duotone>
-                  <a:schemeClr val="accent3">
-                    <a:shade val="45000"/>
-                    <a:satMod val="135000"/>
-                  </a:schemeClr>
-                  <a:prstClr val="white"/>
-                </a:duotone>
-                <a:extLst>
-                  <a:ext uri="{28A0092B-C50C-407E-A947-70E740481C1C}">
-                    <a14:useLocalDpi xmlns:a14="http://schemas.microsoft.com/office/drawing/2010/main" val="0"/>
-                  </a:ext>
-                </a:extLst>
-              </a:blip>
-              <a:stretch>
-                <a:fillRect/>
-              </a:stretch>
-            </p:blipFill>
-            <p:spPr>
-              <a:xfrm>
-                <a:off x="9554466" y="667723"/>
-                <a:ext cx="288000" cy="288000"/>
-              </a:xfrm>
-              <a:prstGeom prst="rect">
-                <a:avLst/>
-              </a:prstGeom>
-            </p:spPr>
-          </p:pic>
-        </p:grpSp>
-        <p:sp>
-          <p:nvSpPr>
-            <p:cNvPr id="113" name="Ellipse 112"/>
-            <p:cNvSpPr/>
-            <p:nvPr/>
-          </p:nvSpPr>
-          <p:spPr>
-            <a:xfrm>
-              <a:off x="7615384" y="532170"/>
-              <a:ext cx="551453" cy="549030"/>
-            </a:xfrm>
-            <a:prstGeom prst="ellipse">
-              <a:avLst/>
-            </a:prstGeom>
-            <a:solidFill>
-              <a:schemeClr val="bg1"/>
-            </a:solidFill>
-            <a:ln>
-              <a:solidFill>
-                <a:schemeClr val="accent6">
-                  <a:lumMod val="60000"/>
-                  <a:lumOff val="40000"/>
-                </a:schemeClr>
-              </a:solidFill>
-            </a:ln>
-          </p:spPr>
-          <p:style>
-            <a:lnRef idx="2">
-              <a:schemeClr val="accent1">
-                <a:shade val="50000"/>
-              </a:schemeClr>
-            </a:lnRef>
-            <a:fillRef idx="1">
-              <a:schemeClr val="accent1"/>
-            </a:fillRef>
-            <a:effectRef idx="0">
-              <a:schemeClr val="accent1"/>
-            </a:effectRef>
-            <a:fontRef idx="minor">
-              <a:schemeClr val="lt1"/>
-            </a:fontRef>
-          </p:style>
-          <p:txBody>
-            <a:bodyPr rtlCol="0" anchor="ctr"/>
-            <a:lstStyle/>
-            <a:p>
-              <a:pPr algn="ctr"/>
-              <a:endParaRPr lang="fr-FR" sz="1800" dirty="0"/>
-            </a:p>
-          </p:txBody>
-        </p:sp>
-      </p:grpSp>
-      <p:pic>
-        <p:nvPicPr>
-          <p:cNvPr id="27" name="Image 26"/>
-          <p:cNvPicPr>
-            <a:picLocks noChangeAspect="1"/>
-          </p:cNvPicPr>
-          <p:nvPr/>
-        </p:nvPicPr>
-        <p:blipFill>
-          <a:blip r:embed="rId3" cstate="print">
-            <a:lum bright="70000" contrast="-70000"/>
-            <a:extLst>
-              <a:ext uri="{BEBA8EAE-BF5A-486C-A8C5-ECC9F3942E4B}">
-                <a14:imgProps xmlns:a14="http://schemas.microsoft.com/office/drawing/2010/main">
-                  <a14:imgLayer r:embed="rId4">
-                    <a14:imgEffect>
-                      <a14:artisticPhotocopy/>
-                    </a14:imgEffect>
-                  </a14:imgLayer>
-                </a14:imgProps>
-              </a:ext>
-              <a:ext uri="{28A0092B-C50C-407E-A947-70E740481C1C}">
-                <a14:useLocalDpi xmlns:a14="http://schemas.microsoft.com/office/drawing/2010/main" val="0"/>
-              </a:ext>
-            </a:extLst>
-          </a:blip>
-          <a:stretch>
-            <a:fillRect/>
-          </a:stretch>
-        </p:blipFill>
-        <p:spPr>
-          <a:xfrm>
-            <a:off x="2668987" y="1675400"/>
-            <a:ext cx="243000" cy="243000"/>
-          </a:xfrm>
-          <a:prstGeom prst="rect">
-            <a:avLst/>
-          </a:prstGeom>
-        </p:spPr>
-      </p:pic>
-      <p:pic>
-        <p:nvPicPr>
-          <p:cNvPr id="28" name="Image 27"/>
-          <p:cNvPicPr>
-            <a:picLocks noChangeAspect="1"/>
-          </p:cNvPicPr>
-          <p:nvPr/>
-        </p:nvPicPr>
-        <p:blipFill>
-          <a:blip r:embed="rId5" cstate="print">
-            <a:duotone>
-              <a:schemeClr val="accent3">
-                <a:shade val="45000"/>
-                <a:satMod val="135000"/>
-              </a:schemeClr>
-              <a:prstClr val="white"/>
-            </a:duotone>
-            <a:extLst>
-              <a:ext uri="{28A0092B-C50C-407E-A947-70E740481C1C}">
-                <a14:useLocalDpi xmlns:a14="http://schemas.microsoft.com/office/drawing/2010/main" val="0"/>
-              </a:ext>
-            </a:extLst>
-          </a:blip>
-          <a:stretch>
-            <a:fillRect/>
-          </a:stretch>
-        </p:blipFill>
-        <p:spPr>
-          <a:xfrm>
-            <a:off x="4350404" y="1675400"/>
-            <a:ext cx="243000" cy="243000"/>
-          </a:xfrm>
-          <a:prstGeom prst="rect">
-            <a:avLst/>
-          </a:prstGeom>
-        </p:spPr>
-      </p:pic>
-      <p:pic>
-        <p:nvPicPr>
-          <p:cNvPr id="29" name="Image 28"/>
-          <p:cNvPicPr>
-            <a:picLocks noChangeAspect="1"/>
-          </p:cNvPicPr>
-          <p:nvPr/>
-        </p:nvPicPr>
-        <p:blipFill>
-          <a:blip r:embed="rId6" cstate="print">
-            <a:duotone>
-              <a:schemeClr val="accent3">
-                <a:shade val="45000"/>
-                <a:satMod val="135000"/>
-              </a:schemeClr>
-              <a:prstClr val="white"/>
-            </a:duotone>
-            <a:extLst>
-              <a:ext uri="{28A0092B-C50C-407E-A947-70E740481C1C}">
-                <a14:useLocalDpi xmlns:a14="http://schemas.microsoft.com/office/drawing/2010/main" val="0"/>
-              </a:ext>
-            </a:extLst>
-          </a:blip>
-          <a:stretch>
-            <a:fillRect/>
-          </a:stretch>
-        </p:blipFill>
-        <p:spPr>
-          <a:xfrm>
-            <a:off x="3512618" y="1685636"/>
-            <a:ext cx="243000" cy="243000"/>
-          </a:xfrm>
-          <a:prstGeom prst="rect">
-            <a:avLst/>
-          </a:prstGeom>
-        </p:spPr>
-      </p:pic>
-      <p:pic>
-        <p:nvPicPr>
-          <p:cNvPr id="30" name="Image 29"/>
-          <p:cNvPicPr>
-            <a:picLocks noChangeAspect="1"/>
-          </p:cNvPicPr>
-          <p:nvPr/>
-        </p:nvPicPr>
-        <p:blipFill>
-          <a:blip r:embed="rId7" cstate="print">
-            <a:lum bright="70000" contrast="-70000"/>
-            <a:extLst>
-              <a:ext uri="{28A0092B-C50C-407E-A947-70E740481C1C}">
-                <a14:useLocalDpi xmlns:a14="http://schemas.microsoft.com/office/drawing/2010/main" val="0"/>
-              </a:ext>
-            </a:extLst>
-          </a:blip>
-          <a:stretch>
-            <a:fillRect/>
-          </a:stretch>
-        </p:blipFill>
-        <p:spPr>
-          <a:xfrm>
-            <a:off x="1837077" y="1684669"/>
-            <a:ext cx="220909" cy="220909"/>
-          </a:xfrm>
-          <a:prstGeom prst="rect">
-            <a:avLst/>
-          </a:prstGeom>
-        </p:spPr>
-      </p:pic>
-      <p:pic>
-        <p:nvPicPr>
-          <p:cNvPr id="32" name="Image 31"/>
-          <p:cNvPicPr>
-            <a:picLocks noChangeAspect="1"/>
-          </p:cNvPicPr>
-          <p:nvPr/>
-        </p:nvPicPr>
-        <p:blipFill>
-          <a:blip r:embed="rId8" cstate="print">
-            <a:duotone>
-              <a:schemeClr val="accent3">
-                <a:shade val="45000"/>
-                <a:satMod val="135000"/>
-              </a:schemeClr>
-              <a:prstClr val="white"/>
-            </a:duotone>
-            <a:extLst>
-              <a:ext uri="{28A0092B-C50C-407E-A947-70E740481C1C}">
-                <a14:useLocalDpi xmlns:a14="http://schemas.microsoft.com/office/drawing/2010/main" val="0"/>
-              </a:ext>
-            </a:extLst>
-          </a:blip>
-          <a:stretch>
-            <a:fillRect/>
-          </a:stretch>
-        </p:blipFill>
-        <p:spPr>
-          <a:xfrm>
-            <a:off x="985214" y="1684896"/>
-            <a:ext cx="243000" cy="243000"/>
-          </a:xfrm>
-          <a:prstGeom prst="rect">
-            <a:avLst/>
-          </a:prstGeom>
-        </p:spPr>
-      </p:pic>
-      <p:pic>
-        <p:nvPicPr>
-          <p:cNvPr id="25" name="Image 24"/>
-          <p:cNvPicPr>
-            <a:picLocks noChangeAspect="1"/>
-          </p:cNvPicPr>
-          <p:nvPr/>
-        </p:nvPicPr>
-        <p:blipFill rotWithShape="1">
-          <a:blip r:embed="rId9">
-            <a:extLst>
-              <a:ext uri="{BEBA8EAE-BF5A-486C-A8C5-ECC9F3942E4B}">
-                <a14:imgProps xmlns:a14="http://schemas.microsoft.com/office/drawing/2010/main">
-                  <a14:imgLayer r:embed="rId10">
-                    <a14:imgEffect>
-                      <a14:saturation sat="200000"/>
-                    </a14:imgEffect>
-                    <a14:imgEffect>
-                      <a14:brightnessContrast bright="20000" contrast="-40000"/>
-                    </a14:imgEffect>
-                  </a14:imgLayer>
-                </a14:imgProps>
-              </a:ext>
-            </a:extLst>
-          </a:blip>
-          <a:srcRect l="51977"/>
-          <a:stretch/>
-        </p:blipFill>
-        <p:spPr>
-          <a:xfrm>
-            <a:off x="8439" y="2339575"/>
-            <a:ext cx="1101286" cy="2399717"/>
-          </a:xfrm>
-          <a:prstGeom prst="rect">
-            <a:avLst/>
-          </a:prstGeom>
-        </p:spPr>
-      </p:pic>
-      <p:pic>
-        <p:nvPicPr>
-          <p:cNvPr id="38" name="Image 37"/>
-          <p:cNvPicPr>
-            <a:picLocks noChangeAspect="1"/>
-          </p:cNvPicPr>
-          <p:nvPr/>
-        </p:nvPicPr>
-        <p:blipFill>
-          <a:blip r:embed="rId11"/>
-          <a:stretch>
-            <a:fillRect/>
-          </a:stretch>
-        </p:blipFill>
-        <p:spPr>
-          <a:xfrm>
-            <a:off x="6998199" y="5218466"/>
-            <a:ext cx="1691986" cy="699529"/>
-          </a:xfrm>
-          <a:prstGeom prst="rect">
-            <a:avLst/>
-          </a:prstGeom>
-        </p:spPr>
-      </p:pic>
-      <p:grpSp>
-        <p:nvGrpSpPr>
-          <p:cNvPr id="35" name="Groupe 34"/>
-          <p:cNvGrpSpPr/>
-          <p:nvPr/>
-        </p:nvGrpSpPr>
-        <p:grpSpPr>
-          <a:xfrm>
-            <a:off x="1420398" y="2882594"/>
-            <a:ext cx="1634151" cy="840869"/>
-            <a:chOff x="3824998" y="3986656"/>
-            <a:chExt cx="2178868" cy="1121159"/>
-          </a:xfrm>
-        </p:grpSpPr>
-        <p:sp>
-          <p:nvSpPr>
-            <p:cNvPr id="36" name="Rectangle à coins arrondis 35"/>
-            <p:cNvSpPr/>
-            <p:nvPr/>
-          </p:nvSpPr>
-          <p:spPr>
-            <a:xfrm>
-              <a:off x="3824998" y="3986656"/>
-              <a:ext cx="2178868" cy="1121159"/>
-            </a:xfrm>
-            <a:prstGeom prst="roundRect">
-              <a:avLst/>
-            </a:prstGeom>
-            <a:solidFill>
-              <a:schemeClr val="bg1"/>
-            </a:solidFill>
-            <a:ln>
-              <a:solidFill>
-                <a:schemeClr val="bg2">
-                  <a:lumMod val="75000"/>
-                </a:schemeClr>
-              </a:solidFill>
-            </a:ln>
-            <a:effectLst>
-              <a:outerShdw blurRad="50800" dist="38100" dir="2700000" algn="tl" rotWithShape="0">
-                <a:prstClr val="black">
-                  <a:alpha val="40000"/>
-                </a:prstClr>
-              </a:outerShdw>
-            </a:effectLst>
-          </p:spPr>
-          <p:style>
-            <a:lnRef idx="2">
-              <a:schemeClr val="accent1">
-                <a:shade val="50000"/>
-              </a:schemeClr>
-            </a:lnRef>
-            <a:fillRef idx="1">
-              <a:schemeClr val="accent1"/>
-            </a:fillRef>
-            <a:effectRef idx="0">
-              <a:schemeClr val="accent1"/>
-            </a:effectRef>
-            <a:fontRef idx="minor">
-              <a:schemeClr val="lt1"/>
-            </a:fontRef>
-          </p:style>
-          <p:txBody>
-            <a:bodyPr rtlCol="0" anchor="ctr"/>
-            <a:lstStyle/>
-            <a:p>
-              <a:pPr algn="ctr"/>
-              <a:endParaRPr lang="fr-FR" sz="1800" dirty="0"/>
-            </a:p>
-          </p:txBody>
-        </p:sp>
-        <p:pic>
-          <p:nvPicPr>
-            <p:cNvPr id="37" name="Image 36"/>
-            <p:cNvPicPr>
-              <a:picLocks noChangeAspect="1"/>
-            </p:cNvPicPr>
-            <p:nvPr/>
-          </p:nvPicPr>
-          <p:blipFill>
-            <a:blip r:embed="rId12" cstate="print">
-              <a:extLst>
-                <a:ext uri="{28A0092B-C50C-407E-A947-70E740481C1C}">
-                  <a14:useLocalDpi xmlns:a14="http://schemas.microsoft.com/office/drawing/2010/main" val="0"/>
-                </a:ext>
-              </a:extLst>
-            </a:blip>
-            <a:stretch>
-              <a:fillRect/>
-            </a:stretch>
-          </p:blipFill>
-          <p:spPr>
-            <a:xfrm>
-              <a:off x="4069310" y="4097235"/>
-              <a:ext cx="1690245" cy="900000"/>
-            </a:xfrm>
-            <a:prstGeom prst="rect">
-              <a:avLst/>
-            </a:prstGeom>
-          </p:spPr>
-        </p:pic>
-      </p:grpSp>
-      <p:sp>
-        <p:nvSpPr>
-          <p:cNvPr id="39" name="Rectangle 38"/>
-          <p:cNvSpPr/>
-          <p:nvPr/>
-        </p:nvSpPr>
-        <p:spPr>
-          <a:xfrm>
-            <a:off x="3176449" y="2957350"/>
-            <a:ext cx="3104462" cy="1014380"/>
-          </a:xfrm>
-          <a:prstGeom prst="rect">
-            <a:avLst/>
-          </a:prstGeom>
-        </p:spPr>
-        <p:txBody>
-          <a:bodyPr wrap="square">
-            <a:spAutoFit/>
-          </a:bodyPr>
-          <a:lstStyle/>
-          <a:p>
-            <a:pPr algn="ctr">
-              <a:lnSpc>
-                <a:spcPct val="107000"/>
-              </a:lnSpc>
-              <a:spcAft>
-                <a:spcPts val="600"/>
-              </a:spcAft>
-            </a:pPr>
-            <a:r>
-              <a:rPr lang="fr-FR" sz="1400" dirty="0">
-                <a:solidFill>
-                  <a:schemeClr val="tx1">
-                    <a:lumMod val="75000"/>
-                    <a:lumOff val="25000"/>
-                  </a:schemeClr>
-                </a:solidFill>
-                <a:ea typeface="Yu Gothic Light" panose="020B0300000000000000" pitchFamily="34" charset="-128"/>
-                <a:cs typeface="Times New Roman" panose="02020603050405020304" pitchFamily="18" charset="0"/>
-              </a:rPr>
-              <a:t>Spark est un moteur de traitement permettant le traitement de large volumes de données, de manière distribuée.</a:t>
-            </a:r>
-          </a:p>
-        </p:txBody>
-      </p:sp>
-      <p:sp>
-        <p:nvSpPr>
-          <p:cNvPr id="40" name="Rectangle 39"/>
-          <p:cNvSpPr/>
-          <p:nvPr/>
-        </p:nvSpPr>
-        <p:spPr>
-          <a:xfrm>
-            <a:off x="1389127" y="3883001"/>
-            <a:ext cx="4815731" cy="860813"/>
-          </a:xfrm>
-          <a:prstGeom prst="rect">
-            <a:avLst/>
-          </a:prstGeom>
-        </p:spPr>
-        <p:txBody>
-          <a:bodyPr wrap="square">
-            <a:spAutoFit/>
-          </a:bodyPr>
-          <a:lstStyle/>
-          <a:p>
-            <a:pPr>
-              <a:lnSpc>
-                <a:spcPct val="107000"/>
-              </a:lnSpc>
-              <a:spcAft>
-                <a:spcPts val="600"/>
-              </a:spcAft>
-            </a:pPr>
-            <a:r>
-              <a:rPr lang="fr-FR" sz="1400" b="1" dirty="0">
-                <a:solidFill>
-                  <a:schemeClr val="tx1">
-                    <a:lumMod val="75000"/>
-                    <a:lumOff val="25000"/>
-                  </a:schemeClr>
-                </a:solidFill>
-                <a:ea typeface="Yu Gothic Light" panose="020B0300000000000000" pitchFamily="34" charset="-128"/>
-                <a:cs typeface="Times New Roman" panose="02020603050405020304" pitchFamily="18" charset="0"/>
-              </a:rPr>
-              <a:t>Langage(s) : </a:t>
-            </a:r>
-            <a:r>
-              <a:rPr lang="fr-FR" sz="1400" dirty="0">
-                <a:solidFill>
-                  <a:schemeClr val="tx1">
-                    <a:lumMod val="75000"/>
-                    <a:lumOff val="25000"/>
-                  </a:schemeClr>
-                </a:solidFill>
-                <a:ea typeface="Yu Gothic Light" panose="020B0300000000000000" pitchFamily="34" charset="-128"/>
-                <a:cs typeface="Times New Roman" panose="02020603050405020304" pitchFamily="18" charset="0"/>
-              </a:rPr>
-              <a:t>R, Python, Scala, Java</a:t>
-            </a:r>
-          </a:p>
-          <a:p>
-            <a:pPr>
-              <a:lnSpc>
-                <a:spcPct val="107000"/>
-              </a:lnSpc>
-              <a:spcAft>
-                <a:spcPts val="600"/>
-              </a:spcAft>
-            </a:pPr>
-            <a:r>
-              <a:rPr lang="fr-FR" sz="1400" i="1" dirty="0">
-                <a:solidFill>
-                  <a:schemeClr val="tx1">
-                    <a:lumMod val="75000"/>
-                    <a:lumOff val="25000"/>
-                  </a:schemeClr>
-                </a:solidFill>
-                <a:ea typeface="Yu Gothic Light" panose="020B0300000000000000" pitchFamily="34" charset="-128"/>
-                <a:cs typeface="Times New Roman" panose="02020603050405020304" pitchFamily="18" charset="0"/>
-              </a:rPr>
-              <a:t>Spark propose aussi des bibliothèques de Machine Learning</a:t>
-            </a:r>
-          </a:p>
-        </p:txBody>
-      </p:sp>
-      <p:sp>
-        <p:nvSpPr>
-          <p:cNvPr id="2" name="Espace réservé du texte 1"/>
-          <p:cNvSpPr>
-            <a:spLocks noGrp="1"/>
-          </p:cNvSpPr>
-          <p:nvPr>
-            <p:ph type="body" sz="quarter" idx="13"/>
-          </p:nvPr>
-        </p:nvSpPr>
-        <p:spPr/>
-        <p:txBody>
-          <a:bodyPr/>
-          <a:lstStyle/>
-          <a:p>
-            <a:endParaRPr lang="fr-FR"/>
-          </a:p>
-        </p:txBody>
-      </p:sp>
-    </p:spTree>
-    <p:extLst>
-      <p:ext uri="{BB962C8B-B14F-4D97-AF65-F5344CB8AC3E}">
-        <p14:creationId xmlns:p14="http://schemas.microsoft.com/office/powerpoint/2010/main" val="2058688418"/>
-      </p:ext>
-    </p:extLst>
-  </p:cSld>
-  <p:clrMapOvr>
-    <a:masterClrMapping/>
-  </p:clrMapOvr>
-</p:sld>
-</file>
-
-<file path=ppt/slides/slide26.xml><?xml version="1.0" encoding="utf-8"?>
-<p:sld xmlns:a="http://schemas.openxmlformats.org/drawingml/2006/main" xmlns:r="http://schemas.openxmlformats.org/officeDocument/2006/relationships" xmlns:p="http://schemas.openxmlformats.org/presentationml/2006/main">
-  <p:cSld>
-    <p:spTree>
-      <p:nvGrpSpPr>
-        <p:cNvPr id="1" name=""/>
-        <p:cNvGrpSpPr/>
-        <p:nvPr/>
-      </p:nvGrpSpPr>
-      <p:grpSpPr>
-        <a:xfrm>
-          <a:off x="0" y="0"/>
-          <a:ext cx="0" cy="0"/>
-          <a:chOff x="0" y="0"/>
-          <a:chExt cx="0" cy="0"/>
-        </a:xfrm>
-      </p:grpSpPr>
-      <p:sp>
-        <p:nvSpPr>
-          <p:cNvPr id="2" name="Titre 1"/>
-          <p:cNvSpPr>
-            <a:spLocks noGrp="1"/>
-          </p:cNvSpPr>
-          <p:nvPr>
-            <p:ph type="title"/>
-          </p:nvPr>
-        </p:nvSpPr>
-        <p:spPr/>
-        <p:txBody>
-          <a:bodyPr/>
-          <a:lstStyle/>
-          <a:p>
-            <a:r>
-              <a:rPr lang="fr-FR" dirty="0" err="1"/>
-              <a:t>Spark</a:t>
-            </a:r>
-            <a:endParaRPr lang="fr-FR" dirty="0"/>
-          </a:p>
-        </p:txBody>
-      </p:sp>
-      <p:sp>
-        <p:nvSpPr>
-          <p:cNvPr id="3" name="Espace réservé du contenu 2"/>
-          <p:cNvSpPr>
-            <a:spLocks noGrp="1"/>
-          </p:cNvSpPr>
-          <p:nvPr>
-            <p:ph idx="1"/>
-          </p:nvPr>
-        </p:nvSpPr>
-        <p:spPr/>
-        <p:txBody>
-          <a:bodyPr/>
-          <a:lstStyle/>
-          <a:p>
-            <a:r>
-              <a:rPr lang="fr-FR" dirty="0"/>
-              <a:t>La différence fondamentale entre </a:t>
-            </a:r>
-            <a:r>
-              <a:rPr lang="fr-FR" dirty="0" err="1"/>
-              <a:t>Hadoop</a:t>
-            </a:r>
-            <a:r>
-              <a:rPr lang="fr-FR" dirty="0"/>
-              <a:t> </a:t>
-            </a:r>
-            <a:r>
-              <a:rPr lang="fr-FR" dirty="0" err="1"/>
-              <a:t>MapReduce</a:t>
-            </a:r>
-            <a:r>
-              <a:rPr lang="fr-FR" dirty="0"/>
-              <a:t> et </a:t>
-            </a:r>
-            <a:r>
-              <a:rPr lang="fr-FR" dirty="0" err="1"/>
-              <a:t>Spark</a:t>
-            </a:r>
-            <a:r>
-              <a:rPr lang="fr-FR" dirty="0"/>
-              <a:t> est que </a:t>
-            </a:r>
-            <a:r>
-              <a:rPr lang="fr-FR" dirty="0" err="1"/>
-              <a:t>Spark</a:t>
-            </a:r>
-            <a:r>
-              <a:rPr lang="fr-FR" dirty="0"/>
-              <a:t> écrit les données en RAM</a:t>
-            </a:r>
-          </a:p>
-          <a:p>
-            <a:pPr lvl="1"/>
-            <a:r>
-              <a:rPr lang="fr-FR" dirty="0"/>
-              <a:t>Ceci a plusieurs conséquences importantes sur la rapidité de traitement des calculs ainsi que sur l'architecture globale de </a:t>
-            </a:r>
-            <a:r>
-              <a:rPr lang="fr-FR" dirty="0" err="1"/>
-              <a:t>Spark</a:t>
-            </a:r>
-            <a:endParaRPr lang="fr-FR" dirty="0"/>
-          </a:p>
-          <a:p>
-            <a:pPr lvl="1"/>
-            <a:r>
-              <a:rPr lang="fr-FR" dirty="0"/>
-              <a:t>le choix de stocker les données intermédiaires en RAM a des conséquences sur l'architecture même de </a:t>
-            </a:r>
-            <a:r>
-              <a:rPr lang="fr-FR" dirty="0" err="1"/>
-              <a:t>Spark</a:t>
-            </a:r>
-            <a:r>
-              <a:rPr lang="fr-FR" dirty="0"/>
-              <a:t>. En particulier, comment avec des données en RAM, garantir une tolérance aux pannes ? Dès qu'une machine devient indisponible, les données qu'elle stockait en RAM deviennent également </a:t>
-            </a:r>
-            <a:r>
-              <a:rPr lang="fr-FR"/>
-              <a:t>indisponibles.</a:t>
-            </a:r>
-            <a:endParaRPr lang="fr-FR" dirty="0"/>
-          </a:p>
-        </p:txBody>
-      </p:sp>
-    </p:spTree>
-    <p:extLst>
-      <p:ext uri="{BB962C8B-B14F-4D97-AF65-F5344CB8AC3E}">
-        <p14:creationId xmlns:p14="http://schemas.microsoft.com/office/powerpoint/2010/main" val="3576593310"/>
-      </p:ext>
-    </p:extLst>
-  </p:cSld>
-  <p:clrMapOvr>
-    <a:masterClrMapping/>
-  </p:clrMapOvr>
-</p:sld>
-</file>
-
-<file path=ppt/slides/slide3.xml><?xml version="1.0" encoding="utf-8"?>
-<p:sld xmlns:a="http://schemas.openxmlformats.org/drawingml/2006/main" xmlns:r="http://schemas.openxmlformats.org/officeDocument/2006/relationships" xmlns:p="http://schemas.openxmlformats.org/presentationml/2006/main">
-  <p:cSld>
-    <p:spTree>
-      <p:nvGrpSpPr>
-        <p:cNvPr id="1" name=""/>
-        <p:cNvGrpSpPr/>
-        <p:nvPr/>
-      </p:nvGrpSpPr>
-      <p:grpSpPr>
-        <a:xfrm>
-          <a:off x="0" y="0"/>
-          <a:ext cx="0" cy="0"/>
-          <a:chOff x="0" y="0"/>
-          <a:chExt cx="0" cy="0"/>
-        </a:xfrm>
-      </p:grpSpPr>
-      <p:sp>
-        <p:nvSpPr>
-          <p:cNvPr id="2" name="Titre 1">
-            <a:extLst>
-              <a:ext uri="{FF2B5EF4-FFF2-40B4-BE49-F238E27FC236}">
-                <a16:creationId xmlns:a16="http://schemas.microsoft.com/office/drawing/2014/main" id="{B5FF4E86-5393-BE69-07A6-E043A2EC0E87}"/>
-              </a:ext>
-            </a:extLst>
-          </p:cNvPr>
-          <p:cNvSpPr>
-            <a:spLocks noGrp="1"/>
-          </p:cNvSpPr>
-          <p:nvPr>
-            <p:ph type="title"/>
-          </p:nvPr>
-        </p:nvSpPr>
-        <p:spPr/>
-        <p:txBody>
-          <a:bodyPr/>
-          <a:lstStyle/>
-          <a:p>
-            <a:endParaRPr lang="fr-FR"/>
-          </a:p>
-        </p:txBody>
-      </p:sp>
-      <p:sp>
-        <p:nvSpPr>
-          <p:cNvPr id="3" name="Espace réservé du contenu 2">
-            <a:extLst>
-              <a:ext uri="{FF2B5EF4-FFF2-40B4-BE49-F238E27FC236}">
-                <a16:creationId xmlns:a16="http://schemas.microsoft.com/office/drawing/2014/main" id="{C31990FC-8FB7-C4EF-A00E-978F614F26E0}"/>
-              </a:ext>
-            </a:extLst>
-          </p:cNvPr>
-          <p:cNvSpPr>
-            <a:spLocks noGrp="1"/>
-          </p:cNvSpPr>
-          <p:nvPr>
-            <p:ph idx="1"/>
-          </p:nvPr>
-        </p:nvSpPr>
-        <p:spPr/>
-        <p:txBody>
-          <a:bodyPr/>
-          <a:lstStyle/>
-          <a:p>
-            <a:r>
-              <a:rPr lang="fr-FR" dirty="0"/>
-              <a:t>Hadoop c'est jute un filesystem</a:t>
-            </a:r>
-          </a:p>
-          <a:p>
-            <a:r>
-              <a:rPr lang="fr-FR" dirty="0"/>
-              <a:t>Obligatoire &gt;1Po</a:t>
-            </a:r>
-          </a:p>
-          <a:p>
-            <a:r>
-              <a:rPr lang="fr-FR" dirty="0"/>
-              <a:t>On peut mettre n'importe quoi dessus</a:t>
-            </a:r>
-          </a:p>
-          <a:p>
-            <a:pPr lvl="1"/>
-            <a:r>
-              <a:rPr lang="fr-FR" dirty="0" err="1"/>
-              <a:t>Hive</a:t>
-            </a:r>
-            <a:endParaRPr lang="fr-FR" dirty="0"/>
-          </a:p>
-          <a:p>
-            <a:pPr lvl="1"/>
-            <a:r>
-              <a:rPr lang="fr-FR" dirty="0" err="1"/>
-              <a:t>Sqoop</a:t>
-            </a:r>
-            <a:r>
-              <a:rPr lang="fr-FR"/>
-              <a:t> = ETL </a:t>
-            </a:r>
-            <a:r>
-              <a:rPr lang="fr-FR" dirty="0"/>
-              <a:t>to import </a:t>
-            </a:r>
-            <a:r>
-              <a:rPr lang="fr-FR" dirty="0" err="1"/>
-              <a:t>pg</a:t>
-            </a:r>
-            <a:r>
-              <a:rPr lang="fr-FR" dirty="0"/>
-              <a:t> to </a:t>
-            </a:r>
-            <a:r>
-              <a:rPr lang="fr-FR" dirty="0" err="1"/>
-              <a:t>hadoop</a:t>
-            </a:r>
-            <a:endParaRPr lang="fr-FR" dirty="0"/>
-          </a:p>
-          <a:p>
-            <a:pPr lvl="1"/>
-            <a:r>
-              <a:rPr lang="fr-FR" dirty="0"/>
-              <a:t>Mongo</a:t>
-            </a:r>
-          </a:p>
-          <a:p>
-            <a:r>
-              <a:rPr lang="fr-FR" dirty="0"/>
-              <a:t>Ne pas confondre avec une BD objet (Object Storage)</a:t>
-            </a:r>
-          </a:p>
-        </p:txBody>
-      </p:sp>
-    </p:spTree>
-    <p:extLst>
-      <p:ext uri="{BB962C8B-B14F-4D97-AF65-F5344CB8AC3E}">
-        <p14:creationId xmlns:p14="http://schemas.microsoft.com/office/powerpoint/2010/main" val="2227825427"/>
-      </p:ext>
-    </p:extLst>
-  </p:cSld>
-  <p:clrMapOvr>
-    <a:masterClrMapping/>
-  </p:clrMapOvr>
-</p:sld>
-</file>
-
-<file path=ppt/slides/slide4.xml><?xml version="1.0" encoding="utf-8"?>
-<p:sld xmlns:a="http://schemas.openxmlformats.org/drawingml/2006/main" xmlns:r="http://schemas.openxmlformats.org/officeDocument/2006/relationships" xmlns:p="http://schemas.openxmlformats.org/presentationml/2006/main">
-  <p:cSld>
-    <p:spTree>
-      <p:nvGrpSpPr>
-        <p:cNvPr id="1" name=""/>
-        <p:cNvGrpSpPr/>
-        <p:nvPr/>
-      </p:nvGrpSpPr>
-      <p:grpSpPr>
-        <a:xfrm>
-          <a:off x="0" y="0"/>
-          <a:ext cx="0" cy="0"/>
-          <a:chOff x="0" y="0"/>
-          <a:chExt cx="0" cy="0"/>
-        </a:xfrm>
-      </p:grpSpPr>
-      <p:sp>
-        <p:nvSpPr>
-          <p:cNvPr id="2" name="Titre 1"/>
-          <p:cNvSpPr>
-            <a:spLocks noGrp="1"/>
-          </p:cNvSpPr>
-          <p:nvPr>
-            <p:ph type="title"/>
-          </p:nvPr>
-        </p:nvSpPr>
-        <p:spPr/>
-        <p:txBody>
-          <a:bodyPr/>
-          <a:lstStyle/>
-          <a:p>
-            <a:r>
-              <a:rPr lang="fr-FR" dirty="0" err="1"/>
-              <a:t>Hadoop</a:t>
-            </a:r>
-            <a:endParaRPr lang="fr-FR" dirty="0"/>
-          </a:p>
-        </p:txBody>
-      </p:sp>
-      <p:sp>
-        <p:nvSpPr>
-          <p:cNvPr id="3" name="Espace réservé du contenu 2"/>
-          <p:cNvSpPr>
-            <a:spLocks noGrp="1"/>
-          </p:cNvSpPr>
-          <p:nvPr>
-            <p:ph idx="1"/>
-          </p:nvPr>
-        </p:nvSpPr>
-        <p:spPr/>
-        <p:txBody>
-          <a:bodyPr/>
-          <a:lstStyle/>
-          <a:p>
-            <a:r>
-              <a:rPr lang="fr-FR" dirty="0"/>
-              <a:t>Apache </a:t>
-            </a:r>
-            <a:r>
-              <a:rPr lang="fr-FR" dirty="0" err="1"/>
-              <a:t>Hadoop</a:t>
-            </a:r>
-            <a:r>
-              <a:rPr lang="fr-FR" dirty="0"/>
-              <a:t> est une base de données de Google</a:t>
-            </a:r>
-          </a:p>
-          <a:p>
-            <a:r>
-              <a:rPr lang="fr-FR" dirty="0" err="1"/>
-              <a:t>NoSql</a:t>
-            </a:r>
-            <a:endParaRPr lang="fr-FR" dirty="0"/>
-          </a:p>
-          <a:p>
-            <a:pPr lvl="1"/>
-            <a:r>
-              <a:rPr lang="fr-FR" dirty="0" err="1"/>
-              <a:t>Map</a:t>
-            </a:r>
-            <a:r>
-              <a:rPr lang="fr-FR" dirty="0"/>
-              <a:t> </a:t>
-            </a:r>
-            <a:r>
-              <a:rPr lang="fr-FR" dirty="0" err="1"/>
-              <a:t>Reduce</a:t>
-            </a:r>
-            <a:endParaRPr lang="fr-FR" dirty="0"/>
-          </a:p>
-          <a:p>
-            <a:r>
-              <a:rPr lang="fr-FR" dirty="0" err="1"/>
-              <a:t>Big</a:t>
-            </a:r>
-            <a:r>
-              <a:rPr lang="fr-FR" dirty="0"/>
-              <a:t> Data</a:t>
-            </a:r>
-          </a:p>
-          <a:p>
-            <a:pPr lvl="1"/>
-            <a:r>
-              <a:rPr lang="fr-FR" dirty="0" err="1"/>
-              <a:t>Peta</a:t>
-            </a:r>
-            <a:r>
-              <a:rPr lang="fr-FR" dirty="0"/>
-              <a:t> octets</a:t>
-            </a:r>
-          </a:p>
-          <a:p>
-            <a:r>
-              <a:rPr lang="fr-FR" dirty="0"/>
-              <a:t>Possède un file system réparti</a:t>
-            </a:r>
-          </a:p>
-          <a:p>
-            <a:pPr lvl="1"/>
-            <a:r>
-              <a:rPr lang="fr-FR" dirty="0"/>
-              <a:t>HDFS</a:t>
-            </a:r>
-          </a:p>
-          <a:p>
-            <a:r>
-              <a:rPr lang="fr-FR" dirty="0"/>
-              <a:t>Possède un </a:t>
-            </a:r>
-            <a:r>
-              <a:rPr lang="fr-FR" dirty="0" err="1"/>
-              <a:t>scheduler</a:t>
-            </a:r>
-            <a:r>
-              <a:rPr lang="fr-FR" dirty="0"/>
-              <a:t> de job</a:t>
-            </a:r>
-          </a:p>
-          <a:p>
-            <a:pPr marL="457200" lvl="1" indent="0">
-              <a:buNone/>
-            </a:pPr>
-            <a:r>
-              <a:rPr lang="fr-FR" dirty="0"/>
-              <a:t>YARN</a:t>
-            </a:r>
-          </a:p>
-        </p:txBody>
-      </p:sp>
-      <p:pic>
-        <p:nvPicPr>
-          <p:cNvPr id="1026" name="Picture 2" descr="File:Hadoop logo.svg"/>
-          <p:cNvPicPr>
-            <a:picLocks noChangeAspect="1" noChangeArrowheads="1"/>
-          </p:cNvPicPr>
-          <p:nvPr/>
-        </p:nvPicPr>
-        <p:blipFill>
-          <a:blip r:embed="rId2">
-            <a:extLst>
-              <a:ext uri="{28A0092B-C50C-407E-A947-70E740481C1C}">
-                <a14:useLocalDpi xmlns:a14="http://schemas.microsoft.com/office/drawing/2010/main" val="0"/>
-              </a:ext>
-            </a:extLst>
-          </a:blip>
-          <a:srcRect/>
-          <a:stretch>
-            <a:fillRect/>
-          </a:stretch>
-        </p:blipFill>
-        <p:spPr bwMode="auto">
-          <a:xfrm>
-            <a:off x="1763688" y="-237831"/>
-            <a:ext cx="6324600" cy="1638300"/>
-          </a:xfrm>
-          <a:prstGeom prst="rect">
-            <a:avLst/>
-          </a:prstGeom>
-          <a:noFill/>
-          <a:extLst>
-            <a:ext uri="{909E8E84-426E-40DD-AFC4-6F175D3DCCD1}">
-              <a14:hiddenFill xmlns:a14="http://schemas.microsoft.com/office/drawing/2010/main">
-                <a:solidFill>
-                  <a:srgbClr val="FFFFFF"/>
-                </a:solidFill>
-              </a14:hiddenFill>
-            </a:ext>
-          </a:extLst>
-        </p:spPr>
-      </p:pic>
-    </p:spTree>
-    <p:extLst>
-      <p:ext uri="{BB962C8B-B14F-4D97-AF65-F5344CB8AC3E}">
-        <p14:creationId xmlns:p14="http://schemas.microsoft.com/office/powerpoint/2010/main" val="4076271740"/>
-      </p:ext>
-    </p:extLst>
-  </p:cSld>
-  <p:clrMapOvr>
-    <a:masterClrMapping/>
-  </p:clrMapOvr>
-</p:sld>
-</file>
-
-<file path=ppt/slides/slide5.xml><?xml version="1.0" encoding="utf-8"?>
-<p:sld xmlns:a="http://schemas.openxmlformats.org/drawingml/2006/main" xmlns:r="http://schemas.openxmlformats.org/officeDocument/2006/relationships" xmlns:p="http://schemas.openxmlformats.org/presentationml/2006/main">
-  <p:cSld>
-    <p:spTree>
-      <p:nvGrpSpPr>
-        <p:cNvPr id="1" name=""/>
-        <p:cNvGrpSpPr/>
-        <p:nvPr/>
-      </p:nvGrpSpPr>
-      <p:grpSpPr>
-        <a:xfrm>
-          <a:off x="0" y="0"/>
-          <a:ext cx="0" cy="0"/>
-          <a:chOff x="0" y="0"/>
-          <a:chExt cx="0" cy="0"/>
-        </a:xfrm>
-      </p:grpSpPr>
-      <p:sp>
-        <p:nvSpPr>
-          <p:cNvPr id="2" name="Titre 1"/>
-          <p:cNvSpPr>
-            <a:spLocks noGrp="1"/>
-          </p:cNvSpPr>
-          <p:nvPr>
-            <p:ph type="title"/>
-          </p:nvPr>
-        </p:nvSpPr>
-        <p:spPr/>
-        <p:txBody>
-          <a:bodyPr/>
-          <a:lstStyle/>
-          <a:p>
-            <a:r>
-              <a:rPr lang="fr-FR" dirty="0" err="1"/>
-              <a:t>Hadoop</a:t>
-            </a:r>
-            <a:endParaRPr lang="fr-FR" dirty="0"/>
-          </a:p>
-        </p:txBody>
-      </p:sp>
-      <p:sp>
-        <p:nvSpPr>
-          <p:cNvPr id="3" name="Espace réservé du contenu 2"/>
-          <p:cNvSpPr>
-            <a:spLocks noGrp="1"/>
-          </p:cNvSpPr>
-          <p:nvPr>
-            <p:ph idx="1"/>
-          </p:nvPr>
-        </p:nvSpPr>
-        <p:spPr/>
-        <p:txBody>
-          <a:bodyPr/>
-          <a:lstStyle/>
-          <a:p>
-            <a:r>
-              <a:rPr lang="fr-FR" dirty="0"/>
-              <a:t>Très utile pour un </a:t>
-            </a:r>
-            <a:r>
-              <a:rPr lang="fr-FR" dirty="0" err="1"/>
-              <a:t>DataLake</a:t>
-            </a:r>
-            <a:endParaRPr lang="fr-FR" dirty="0"/>
-          </a:p>
-          <a:p>
-            <a:pPr lvl="1"/>
-            <a:r>
-              <a:rPr lang="fr-FR" dirty="0"/>
-              <a:t>Algorithme </a:t>
-            </a:r>
-            <a:r>
-              <a:rPr lang="fr-FR" dirty="0" err="1"/>
-              <a:t>map-reduce</a:t>
-            </a:r>
-            <a:endParaRPr lang="fr-FR" dirty="0"/>
-          </a:p>
-          <a:p>
-            <a:r>
-              <a:rPr lang="fr-FR" dirty="0"/>
-              <a:t>Peut être également utilisé comme un </a:t>
-            </a:r>
-            <a:r>
-              <a:rPr lang="fr-FR" dirty="0" err="1"/>
-              <a:t>DataMart</a:t>
-            </a:r>
-            <a:endParaRPr lang="fr-FR" dirty="0"/>
-          </a:p>
-          <a:p>
-            <a:pPr lvl="1"/>
-            <a:r>
-              <a:rPr lang="fr-FR" dirty="0" err="1"/>
-              <a:t>Hive</a:t>
-            </a:r>
-            <a:r>
-              <a:rPr lang="fr-FR" dirty="0"/>
-              <a:t> est une application </a:t>
-            </a:r>
-            <a:r>
-              <a:rPr lang="fr-FR" dirty="0" err="1"/>
-              <a:t>Hadoop</a:t>
-            </a:r>
-            <a:r>
-              <a:rPr lang="fr-FR" dirty="0"/>
-              <a:t> permettant d’attaquer des informations en SQL</a:t>
-            </a:r>
-          </a:p>
-        </p:txBody>
-      </p:sp>
-    </p:spTree>
-    <p:extLst>
-      <p:ext uri="{BB962C8B-B14F-4D97-AF65-F5344CB8AC3E}">
-        <p14:creationId xmlns:p14="http://schemas.microsoft.com/office/powerpoint/2010/main" val="1070438365"/>
-      </p:ext>
-    </p:extLst>
-  </p:cSld>
-  <p:clrMapOvr>
-    <a:masterClrMapping/>
-  </p:clrMapOvr>
-</p:sld>
-</file>
-
-<file path=ppt/slides/slide6.xml><?xml version="1.0" encoding="utf-8"?>
-<p:sld xmlns:a="http://schemas.openxmlformats.org/drawingml/2006/main" xmlns:r="http://schemas.openxmlformats.org/officeDocument/2006/relationships" xmlns:p="http://schemas.openxmlformats.org/presentationml/2006/main">
-  <p:cSld>
-    <p:spTree>
-      <p:nvGrpSpPr>
-        <p:cNvPr id="1" name=""/>
-        <p:cNvGrpSpPr/>
-        <p:nvPr/>
-      </p:nvGrpSpPr>
-      <p:grpSpPr>
-        <a:xfrm>
-          <a:off x="0" y="0"/>
-          <a:ext cx="0" cy="0"/>
-          <a:chOff x="0" y="0"/>
-          <a:chExt cx="0" cy="0"/>
-        </a:xfrm>
-      </p:grpSpPr>
-      <p:sp>
-        <p:nvSpPr>
-          <p:cNvPr id="2" name="Titre 1"/>
-          <p:cNvSpPr>
-            <a:spLocks noGrp="1"/>
-          </p:cNvSpPr>
-          <p:nvPr>
-            <p:ph type="title"/>
-          </p:nvPr>
-        </p:nvSpPr>
-        <p:spPr/>
-        <p:txBody>
-          <a:bodyPr/>
-          <a:lstStyle/>
-          <a:p>
-            <a:r>
-              <a:rPr lang="fr-FR" dirty="0"/>
-              <a:t>Démarrage</a:t>
-            </a:r>
-          </a:p>
-        </p:txBody>
-      </p:sp>
-      <p:sp>
-        <p:nvSpPr>
-          <p:cNvPr id="3" name="Espace réservé du contenu 2"/>
-          <p:cNvSpPr>
-            <a:spLocks noGrp="1"/>
-          </p:cNvSpPr>
-          <p:nvPr>
-            <p:ph idx="1"/>
-          </p:nvPr>
-        </p:nvSpPr>
-        <p:spPr/>
-        <p:txBody>
-          <a:bodyPr/>
-          <a:lstStyle/>
-          <a:p>
-            <a:r>
-              <a:rPr lang="fr-FR" dirty="0"/>
-              <a:t>Dans </a:t>
-            </a:r>
-            <a:r>
-              <a:rPr lang="fr-FR" dirty="0" err="1"/>
-              <a:t>hadoop</a:t>
-            </a:r>
-            <a:r>
-              <a:rPr lang="fr-FR" dirty="0"/>
-              <a:t>/</a:t>
-            </a:r>
-            <a:r>
-              <a:rPr lang="fr-FR" dirty="0" err="1"/>
-              <a:t>sbin</a:t>
-            </a:r>
-            <a:endParaRPr lang="fr-FR" dirty="0"/>
-          </a:p>
-          <a:p>
-            <a:r>
-              <a:rPr lang="fr-FR" dirty="0"/>
-              <a:t>Nécessite Java</a:t>
-            </a:r>
-          </a:p>
-          <a:p>
-            <a:r>
-              <a:rPr lang="fr-FR" dirty="0"/>
-              <a:t>Commandes HDFS</a:t>
-            </a:r>
-          </a:p>
-          <a:p>
-            <a:pPr lvl="1"/>
-            <a:r>
-              <a:rPr lang="fr-FR" dirty="0" err="1"/>
-              <a:t>hdfs</a:t>
-            </a:r>
-            <a:r>
-              <a:rPr lang="fr-FR" dirty="0"/>
-              <a:t> </a:t>
-            </a:r>
-            <a:r>
-              <a:rPr lang="fr-FR" dirty="0" err="1"/>
-              <a:t>namenode</a:t>
-            </a:r>
-            <a:r>
-              <a:rPr lang="fr-FR" dirty="0"/>
-              <a:t> –format</a:t>
-            </a:r>
-          </a:p>
-          <a:p>
-            <a:pPr lvl="1"/>
-            <a:r>
-              <a:rPr lang="fr-FR" dirty="0" err="1"/>
-              <a:t>hdfs</a:t>
-            </a:r>
-            <a:r>
-              <a:rPr lang="fr-FR" dirty="0"/>
-              <a:t> </a:t>
-            </a:r>
-            <a:r>
-              <a:rPr lang="fr-FR" dirty="0" err="1"/>
-              <a:t>dfs</a:t>
-            </a:r>
-            <a:r>
-              <a:rPr lang="fr-FR" dirty="0"/>
-              <a:t> -</a:t>
-            </a:r>
-            <a:r>
-              <a:rPr lang="fr-FR" dirty="0" err="1"/>
-              <a:t>ls</a:t>
-            </a:r>
-            <a:r>
-              <a:rPr lang="fr-FR" dirty="0"/>
-              <a:t> /</a:t>
-            </a:r>
-          </a:p>
-          <a:p>
-            <a:pPr lvl="1"/>
-            <a:r>
-              <a:rPr lang="fr-FR" dirty="0" err="1"/>
-              <a:t>hdfs</a:t>
-            </a:r>
-            <a:r>
-              <a:rPr lang="fr-FR" dirty="0"/>
-              <a:t> </a:t>
-            </a:r>
-            <a:r>
-              <a:rPr lang="fr-FR" dirty="0" err="1"/>
-              <a:t>dfs</a:t>
-            </a:r>
-            <a:r>
-              <a:rPr lang="fr-FR" dirty="0"/>
-              <a:t> -put /d:/hello.txt /</a:t>
-            </a:r>
-          </a:p>
-        </p:txBody>
-      </p:sp>
-    </p:spTree>
-    <p:extLst>
-      <p:ext uri="{BB962C8B-B14F-4D97-AF65-F5344CB8AC3E}">
-        <p14:creationId xmlns:p14="http://schemas.microsoft.com/office/powerpoint/2010/main" val="3410388466"/>
       </p:ext>
     </p:extLst>
   </p:cSld>
@@ -8119,7 +4405,13 @@
       </p:grpSpPr>
       <p:sp>
         <p:nvSpPr>
-          <p:cNvPr id="2" name="Titre 1"/>
+          <p:cNvPr id="2" name="Titre 1">
+            <a:extLst>
+              <a:ext uri="{FF2B5EF4-FFF2-40B4-BE49-F238E27FC236}">
+                <a16:creationId xmlns:a16="http://schemas.microsoft.com/office/drawing/2014/main" id="{0EB3BD00-A331-3E0A-0454-BD2B93A581F8}"/>
+              </a:ext>
+            </a:extLst>
+          </p:cNvPr>
           <p:cNvSpPr>
             <a:spLocks noGrp="1"/>
           </p:cNvSpPr>
@@ -8134,14 +4426,20 @@
           <a:p>
             <a:r>
               <a:rPr lang="fr-FR" dirty="0"/>
-              <a:t>HDFS</a:t>
+              <a:t>Exemple AWS EBS et S3</a:t>
             </a:r>
           </a:p>
         </p:txBody>
       </p:sp>
       <p:sp>
         <p:nvSpPr>
-          <p:cNvPr id="3" name="Espace réservé du contenu 2"/>
+          <p:cNvPr id="3" name="Espace réservé du contenu 2">
+            <a:extLst>
+              <a:ext uri="{FF2B5EF4-FFF2-40B4-BE49-F238E27FC236}">
+                <a16:creationId xmlns:a16="http://schemas.microsoft.com/office/drawing/2014/main" id="{17BF692A-70DD-32DC-F67B-D790CB24C13F}"/>
+              </a:ext>
+            </a:extLst>
+          </p:cNvPr>
           <p:cNvSpPr>
             <a:spLocks noGrp="1"/>
           </p:cNvSpPr>
@@ -8156,111 +4454,105 @@
           <a:p>
             <a:r>
               <a:rPr lang="fr-FR" sz="2000" dirty="0"/>
-              <a:t>HDFS est un système de fichiers distribué</a:t>
+              <a:t>EBS</a:t>
+            </a:r>
+          </a:p>
+          <a:p>
+            <a:pPr lvl="1"/>
+            <a:r>
+              <a:rPr lang="fr-FR" sz="1600" dirty="0"/>
+              <a:t>Disque du standard SSD ou HDD</a:t>
             </a:r>
           </a:p>
           <a:p>
             <a:r>
               <a:rPr lang="fr-FR" sz="2000" dirty="0"/>
-              <a:t>Dans un cluster, où les données et les services sont stockées sur plusieurs machines différentes, HDFS fonctionne selon un principe maître/esclaves classique</a:t>
+              <a:t>S3 Standard</a:t>
             </a:r>
           </a:p>
           <a:p>
             <a:pPr lvl="1"/>
             <a:r>
-              <a:rPr lang="fr-FR" sz="1800" dirty="0"/>
-              <a:t>Les données y sont stockées sur les </a:t>
-            </a:r>
-            <a:r>
-              <a:rPr lang="fr-FR" sz="1800" dirty="0" err="1"/>
-              <a:t>datanodes</a:t>
-            </a:r>
-            <a:r>
-              <a:rPr lang="fr-FR" sz="1800" dirty="0"/>
-              <a:t> (esclaves)</a:t>
-            </a:r>
+              <a:rPr lang="fr-FR" sz="1600" dirty="0"/>
+              <a:t>Stockage à usage général pour n’importe quel type de données. Cette classe de stockage est généralement utilisée pour les données à accès fréquent.</a:t>
+            </a:r>
+          </a:p>
+          <a:p>
+            <a:r>
+              <a:rPr lang="fr-FR" sz="2000" dirty="0"/>
+              <a:t>S3 </a:t>
+            </a:r>
+            <a:r>
+              <a:rPr lang="fr-FR" sz="2000" dirty="0" err="1"/>
+              <a:t>Infrequent</a:t>
+            </a:r>
+            <a:endParaRPr lang="fr-FR" sz="2000" dirty="0"/>
           </a:p>
           <a:p>
             <a:pPr lvl="1"/>
             <a:r>
-              <a:rPr lang="fr-FR" sz="1800" dirty="0"/>
-              <a:t>tandis que les localisations des blocs de données sont répertoriées par le </a:t>
-            </a:r>
-            <a:r>
-              <a:rPr lang="fr-FR" sz="1800" dirty="0" err="1"/>
-              <a:t>namenode</a:t>
-            </a:r>
-            <a:r>
-              <a:rPr lang="fr-FR" sz="1800" dirty="0"/>
-              <a:t> (maître).</a:t>
+              <a:rPr lang="fr-FR" sz="1600" dirty="0"/>
+              <a:t>Pour les données à longue durée de vie, mais à accès peu fréquent nécessitant un temps d'accès de l'ordre de la milliseconde</a:t>
             </a:r>
           </a:p>
           <a:p>
             <a:r>
               <a:rPr lang="fr-FR" sz="2000" dirty="0"/>
-              <a:t>Chaque fichier est décomposé en blocs de taille maximale fixe</a:t>
-            </a:r>
+              <a:t>Glacier Instant </a:t>
+            </a:r>
+            <a:r>
+              <a:rPr lang="fr-FR" sz="2000" dirty="0" err="1"/>
+              <a:t>Retrieval</a:t>
+            </a:r>
+            <a:endParaRPr lang="fr-FR" sz="2000" dirty="0"/>
           </a:p>
           <a:p>
             <a:pPr lvl="1"/>
             <a:r>
-              <a:rPr lang="fr-FR" sz="1800" dirty="0"/>
-              <a:t>Par défaut, cette taille est de 64 Mo</a:t>
+              <a:rPr lang="fr-FR" sz="1600" dirty="0"/>
+              <a:t>Pour les données d'archives à long terme consultées une fois par trimestre avec une récupération instantanée en quelques millisecondes</a:t>
             </a:r>
           </a:p>
           <a:p>
             <a:r>
               <a:rPr lang="fr-FR" sz="2000" dirty="0"/>
-              <a:t>Ces blocs seront répartis de manière redondante sur les différents data </a:t>
+              <a:t>S3 Glacier Flexible </a:t>
             </a:r>
             <a:r>
               <a:rPr lang="fr-FR" sz="2000" dirty="0" err="1"/>
-              <a:t>nodes</a:t>
+              <a:t>Retrieval</a:t>
             </a:r>
             <a:endParaRPr lang="fr-FR" sz="2000" dirty="0"/>
           </a:p>
           <a:p>
+            <a:pPr lvl="1"/>
+            <a:r>
+              <a:rPr lang="fr-FR" sz="1600" dirty="0"/>
+              <a:t>Pour les sauvegardes et les archives à long terme disposant de temps d'extraction allant de 1 minute à 12 heures</a:t>
+            </a:r>
+          </a:p>
+          <a:p>
             <a:r>
               <a:rPr lang="fr-FR" sz="2000" dirty="0"/>
-              <a:t>C'est le </a:t>
-            </a:r>
-            <a:r>
-              <a:rPr lang="fr-FR" sz="2000" dirty="0" err="1"/>
-              <a:t>namenode</a:t>
-            </a:r>
-            <a:r>
-              <a:rPr lang="fr-FR" sz="2000" dirty="0"/>
-              <a:t> qui sait comment sont décomposés les fichiers et sur quels </a:t>
-            </a:r>
-            <a:r>
-              <a:rPr lang="fr-FR" sz="2000" dirty="0" err="1"/>
-              <a:t>datanodes</a:t>
-            </a:r>
-            <a:r>
-              <a:rPr lang="fr-FR" sz="2000" dirty="0"/>
-              <a:t> sont stockés ces blocs</a:t>
-            </a:r>
-          </a:p>
-          <a:p>
-            <a:r>
-              <a:rPr lang="fr-FR" sz="2000" dirty="0"/>
-              <a:t>Limite théorique de 512 </a:t>
-            </a:r>
-            <a:r>
-              <a:rPr lang="fr-FR" sz="2000" dirty="0" err="1"/>
-              <a:t>Yo</a:t>
-            </a:r>
-            <a:r>
-              <a:rPr lang="fr-FR" sz="2000" dirty="0"/>
-              <a:t> (10^12 To)</a:t>
-            </a:r>
+              <a:t>S3 Glacier Deep Archive</a:t>
+            </a:r>
+          </a:p>
+          <a:p>
+            <a:pPr lvl="1"/>
+            <a:r>
+              <a:rPr lang="fr-FR" sz="1600" dirty="0"/>
+              <a:t>Pour l'archivage des données à long terme nécessitant un ou deux accès par an et un temps de restauration inférieur à 12 heures</a:t>
+            </a:r>
+          </a:p>
+          <a:p>
+            <a:endParaRPr lang="fr-FR" sz="1600" dirty="0"/>
           </a:p>
         </p:txBody>
       </p:sp>
     </p:spTree>
     <p:extLst>
       <p:ext uri="{BB962C8B-B14F-4D97-AF65-F5344CB8AC3E}">
-        <p14:creationId xmlns:p14="http://schemas.microsoft.com/office/powerpoint/2010/main" val="1283226762"/>
+        <p14:creationId xmlns:p14="http://schemas.microsoft.com/office/powerpoint/2010/main" val="2413277381"/>
       </p:ext>
     </p:extLst>
   </p:cSld>
@@ -8289,7 +4581,13 @@
       </p:grpSpPr>
       <p:sp>
         <p:nvSpPr>
-          <p:cNvPr id="2" name="Titre 1"/>
+          <p:cNvPr id="2" name="Titre 1">
+            <a:extLst>
+              <a:ext uri="{FF2B5EF4-FFF2-40B4-BE49-F238E27FC236}">
+                <a16:creationId xmlns:a16="http://schemas.microsoft.com/office/drawing/2014/main" id="{4A38768C-7009-7952-2C39-ACD454F5AA0E}"/>
+              </a:ext>
+            </a:extLst>
+          </p:cNvPr>
           <p:cNvSpPr>
             <a:spLocks noGrp="1"/>
           </p:cNvSpPr>
@@ -8304,14 +4602,31 @@
           <a:p>
             <a:r>
               <a:rPr lang="fr-FR" dirty="0"/>
-              <a:t>HDFS</a:t>
+              <a:t>Exemple de tarification </a:t>
+            </a:r>
+            <a:r>
+              <a:rPr lang="fr-FR"/>
+              <a:t>AWS EBS et S3</a:t>
+            </a:r>
+            <a:br>
+              <a:rPr lang="fr-FR" dirty="0"/>
+            </a:br>
+            <a:r>
+              <a:rPr lang="fr-FR" dirty="0"/>
+              <a:t>pour 1To / mois</a:t>
             </a:r>
           </a:p>
         </p:txBody>
       </p:sp>
       <p:sp>
         <p:nvSpPr>
-          <p:cNvPr id="3" name="Espace réservé du contenu 2"/>
+          <p:cNvPr id="3" name="Espace réservé du contenu 2">
+            <a:extLst>
+              <a:ext uri="{FF2B5EF4-FFF2-40B4-BE49-F238E27FC236}">
+                <a16:creationId xmlns:a16="http://schemas.microsoft.com/office/drawing/2014/main" id="{63932AFF-E74D-88D7-C968-6E167085CD42}"/>
+              </a:ext>
+            </a:extLst>
+          </p:cNvPr>
           <p:cNvSpPr>
             <a:spLocks noGrp="1"/>
           </p:cNvSpPr>
@@ -8326,138 +4641,57 @@
           <a:p>
             <a:r>
               <a:rPr lang="fr-FR" dirty="0"/>
-              <a:t>En fonctionnement nominal, chaque bloc est stocké sur deux </a:t>
+              <a:t>SSD RDS SQL : 186$, temps d'accès 0.05ms</a:t>
+            </a:r>
+          </a:p>
+          <a:p>
+            <a:r>
+              <a:rPr lang="fr-FR" dirty="0"/>
+              <a:t>SSD EBS : 93$, temps d'accès 0.05ms</a:t>
+            </a:r>
+          </a:p>
+          <a:p>
+            <a:r>
+              <a:rPr lang="fr-FR" dirty="0"/>
+              <a:t>HDD Cold : 17$, temps d'accès 4ms</a:t>
+            </a:r>
+          </a:p>
+          <a:p>
+            <a:r>
+              <a:rPr lang="fr-FR" dirty="0"/>
+              <a:t>S3 Standard : 23$, temps d'accès 0.1ms</a:t>
+            </a:r>
+          </a:p>
+          <a:p>
+            <a:r>
+              <a:rPr lang="fr-FR" dirty="0"/>
+              <a:t>S3 </a:t>
             </a:r>
             <a:r>
               <a:rPr lang="fr-FR" dirty="0" err="1"/>
-              <a:t>datanodes</a:t>
+              <a:t>Infrequent</a:t>
             </a:r>
             <a:r>
               <a:rPr lang="fr-FR" dirty="0"/>
-              <a:t> différents</a:t>
-            </a:r>
-          </a:p>
-          <a:p>
-            <a:endParaRPr lang="fr-FR" dirty="0"/>
-          </a:p>
-        </p:txBody>
-      </p:sp>
-      <p:pic>
-        <p:nvPicPr>
-          <p:cNvPr id="4" name="Image 3"/>
-          <p:cNvPicPr>
-            <a:picLocks noChangeAspect="1"/>
-          </p:cNvPicPr>
-          <p:nvPr/>
-        </p:nvPicPr>
-        <p:blipFill>
-          <a:blip r:embed="rId2"/>
-          <a:stretch>
-            <a:fillRect/>
-          </a:stretch>
-        </p:blipFill>
-        <p:spPr>
-          <a:xfrm>
-            <a:off x="1835696" y="2564904"/>
-            <a:ext cx="5043463" cy="3554864"/>
-          </a:xfrm>
-          <a:prstGeom prst="rect">
-            <a:avLst/>
-          </a:prstGeom>
-        </p:spPr>
-      </p:pic>
-    </p:spTree>
-    <p:extLst>
-      <p:ext uri="{BB962C8B-B14F-4D97-AF65-F5344CB8AC3E}">
-        <p14:creationId xmlns:p14="http://schemas.microsoft.com/office/powerpoint/2010/main" val="188589265"/>
-      </p:ext>
-    </p:extLst>
-  </p:cSld>
-  <p:clrMapOvr>
-    <a:masterClrMapping/>
-  </p:clrMapOvr>
-</p:sld>
-</file>
-
-<file path=ppt/slides/slide9.xml><?xml version="1.0" encoding="utf-8"?>
-<p:sld xmlns:a="http://schemas.openxmlformats.org/drawingml/2006/main" xmlns:r="http://schemas.openxmlformats.org/officeDocument/2006/relationships" xmlns:p="http://schemas.openxmlformats.org/presentationml/2006/main">
-  <p:cSld>
-    <p:spTree>
-      <p:nvGrpSpPr>
-        <p:cNvPr id="1" name=""/>
-        <p:cNvGrpSpPr/>
-        <p:nvPr/>
-      </p:nvGrpSpPr>
-      <p:grpSpPr>
-        <a:xfrm>
-          <a:off x="0" y="0"/>
-          <a:ext cx="0" cy="0"/>
-          <a:chOff x="0" y="0"/>
-          <a:chExt cx="0" cy="0"/>
-        </a:xfrm>
-      </p:grpSpPr>
-      <p:sp>
-        <p:nvSpPr>
-          <p:cNvPr id="2" name="Titre 1"/>
-          <p:cNvSpPr>
-            <a:spLocks noGrp="1"/>
-          </p:cNvSpPr>
-          <p:nvPr>
-            <p:ph type="title"/>
-          </p:nvPr>
-        </p:nvSpPr>
-        <p:spPr/>
-        <p:txBody>
-          <a:bodyPr/>
-          <a:lstStyle/>
+              <a:t> : 13$, temps d'accès 1ms</a:t>
+            </a:r>
+          </a:p>
           <a:p>
             <a:r>
               <a:rPr lang="fr-FR" dirty="0"/>
-              <a:t>HDFS</a:t>
-            </a:r>
-          </a:p>
-        </p:txBody>
-      </p:sp>
-      <p:sp>
-        <p:nvSpPr>
-          <p:cNvPr id="3" name="Espace réservé du contenu 2"/>
-          <p:cNvSpPr>
-            <a:spLocks noGrp="1"/>
-          </p:cNvSpPr>
-          <p:nvPr>
-            <p:ph idx="1"/>
-          </p:nvPr>
-        </p:nvSpPr>
-        <p:spPr/>
-        <p:txBody>
-          <a:bodyPr/>
-          <a:lstStyle/>
+              <a:t>S3 Glacier Instant : 5$, accès payant de 1ms</a:t>
+            </a:r>
+          </a:p>
           <a:p>
             <a:r>
               <a:rPr lang="fr-FR" dirty="0"/>
-              <a:t>Les </a:t>
-            </a:r>
-            <a:r>
-              <a:rPr lang="fr-FR" dirty="0" err="1"/>
-              <a:t>datanodes</a:t>
-            </a:r>
+              <a:t>S3 Glacier Flexible : 4$, accès payant de 1 minute à 12 heures</a:t>
+            </a:r>
+          </a:p>
+          <a:p>
             <a:r>
               <a:rPr lang="fr-FR" dirty="0"/>
-              <a:t> ont très peu d'intelligence et ils ne servent qu'à stocker les données</a:t>
-            </a:r>
-          </a:p>
-          <a:p>
-            <a:r>
-              <a:rPr lang="fr-FR" dirty="0"/>
-              <a:t>Les adresses des blocs ainsi que les noms des fichiers sont tous stockés par le </a:t>
-            </a:r>
-            <a:r>
-              <a:rPr lang="fr-FR" dirty="0" err="1"/>
-              <a:t>namenode</a:t>
-            </a:r>
-            <a:r>
-              <a:rPr lang="fr-FR" dirty="0"/>
-              <a:t>, dont le rôle est critique</a:t>
+              <a:t>S3 Glacier Deep Archive : 2$, accès payant de 12 heures</a:t>
             </a:r>
           </a:p>
         </p:txBody>
@@ -8465,7 +4699,7 @@
     </p:spTree>
     <p:extLst>
       <p:ext uri="{BB962C8B-B14F-4D97-AF65-F5344CB8AC3E}">
-        <p14:creationId xmlns:p14="http://schemas.microsoft.com/office/powerpoint/2010/main" val="121197855"/>
+        <p14:creationId xmlns:p14="http://schemas.microsoft.com/office/powerpoint/2010/main" val="1239273252"/>
       </p:ext>
     </p:extLst>
   </p:cSld>

--- a/ppt/BigData07-S3.pptx
+++ b/ppt/BigData07-S3.pptx
@@ -3850,6 +3850,21 @@
             <a:r>
               <a:rPr lang="fr-FR" dirty="0"/>
               <a:t>Compatible 3V</a:t>
+            </a:r>
+          </a:p>
+          <a:p>
+            <a:pPr lvl="1"/>
+            <a:r>
+              <a:rPr lang="fr-FR" dirty="0"/>
+              <a:t>Pas de mécanisme d'indexation ni </a:t>
+            </a:r>
+            <a:r>
+              <a:rPr lang="fr-FR"/>
+              <a:t>de requêtag</a:t>
+            </a:r>
+            <a:r>
+              <a:rPr lang="fr-FR" dirty="0"/>
+              <a:t>e</a:t>
             </a:r>
           </a:p>
         </p:txBody>
